--- a/000의 선택.pptx
+++ b/000의 선택.pptx
@@ -106,7 +106,2677 @@
       </a:defRPr>
     </a:lvl9pPr>
   </p:defaultTextStyle>
+  <p:extLst>
+    <p:ext uri="{EFAFB233-063F-42B5-8137-9DF3F51BA10A}">
+      <p15:sldGuideLst xmlns:p15="http://schemas.microsoft.com/office/powerpoint/2012/main"/>
+    </p:ext>
+  </p:extLst>
 </p:presentation>
+</file>
+
+<file path=ppt/revisionInfo.xml><?xml version="1.0" encoding="utf-8"?>
+<p1510:revInfo xmlns:a="http://schemas.openxmlformats.org/drawingml/2006/main" xmlns:r="http://schemas.openxmlformats.org/officeDocument/2006/relationships" xmlns:p1510="http://schemas.microsoft.com/office/powerpoint/2015/10/main"/>
+</file>
+
+<file path=ppt/diagrams/colors1.xml><?xml version="1.0" encoding="utf-8"?>
+<dgm:colorsDef xmlns:dgm="http://schemas.openxmlformats.org/drawingml/2006/diagram" xmlns:a="http://schemas.openxmlformats.org/drawingml/2006/main" uniqueId="urn:microsoft.com/office/officeart/2005/8/colors/accent1_2">
+  <dgm:title val=""/>
+  <dgm:desc val=""/>
+  <dgm:catLst>
+    <dgm:cat type="accent1" pri="11200"/>
+  </dgm:catLst>
+  <dgm:styleLbl name="node0">
+    <dgm:fillClrLst meth="repeat">
+      <a:schemeClr val="accent1"/>
+    </dgm:fillClrLst>
+    <dgm:linClrLst meth="repeat">
+      <a:schemeClr val="lt1"/>
+    </dgm:linClrLst>
+    <dgm:effectClrLst/>
+    <dgm:txLinClrLst/>
+    <dgm:txFillClrLst/>
+    <dgm:txEffectClrLst/>
+  </dgm:styleLbl>
+  <dgm:styleLbl name="alignNode1">
+    <dgm:fillClrLst meth="repeat">
+      <a:schemeClr val="accent1"/>
+    </dgm:fillClrLst>
+    <dgm:linClrLst meth="repeat">
+      <a:schemeClr val="accent1"/>
+    </dgm:linClrLst>
+    <dgm:effectClrLst/>
+    <dgm:txLinClrLst/>
+    <dgm:txFillClrLst/>
+    <dgm:txEffectClrLst/>
+  </dgm:styleLbl>
+  <dgm:styleLbl name="node1">
+    <dgm:fillClrLst meth="repeat">
+      <a:schemeClr val="accent1"/>
+    </dgm:fillClrLst>
+    <dgm:linClrLst meth="repeat">
+      <a:schemeClr val="lt1"/>
+    </dgm:linClrLst>
+    <dgm:effectClrLst/>
+    <dgm:txLinClrLst/>
+    <dgm:txFillClrLst/>
+    <dgm:txEffectClrLst/>
+  </dgm:styleLbl>
+  <dgm:styleLbl name="lnNode1">
+    <dgm:fillClrLst meth="repeat">
+      <a:schemeClr val="accent1"/>
+    </dgm:fillClrLst>
+    <dgm:linClrLst meth="repeat">
+      <a:schemeClr val="lt1"/>
+    </dgm:linClrLst>
+    <dgm:effectClrLst/>
+    <dgm:txLinClrLst/>
+    <dgm:txFillClrLst/>
+    <dgm:txEffectClrLst/>
+  </dgm:styleLbl>
+  <dgm:styleLbl name="vennNode1">
+    <dgm:fillClrLst meth="repeat">
+      <a:schemeClr val="accent1">
+        <a:alpha val="50000"/>
+      </a:schemeClr>
+    </dgm:fillClrLst>
+    <dgm:linClrLst meth="repeat">
+      <a:schemeClr val="lt1"/>
+    </dgm:linClrLst>
+    <dgm:effectClrLst/>
+    <dgm:txLinClrLst/>
+    <dgm:txFillClrLst/>
+    <dgm:txEffectClrLst/>
+  </dgm:styleLbl>
+  <dgm:styleLbl name="node2">
+    <dgm:fillClrLst meth="repeat">
+      <a:schemeClr val="accent1"/>
+    </dgm:fillClrLst>
+    <dgm:linClrLst meth="repeat">
+      <a:schemeClr val="lt1"/>
+    </dgm:linClrLst>
+    <dgm:effectClrLst/>
+    <dgm:txLinClrLst/>
+    <dgm:txFillClrLst/>
+    <dgm:txEffectClrLst/>
+  </dgm:styleLbl>
+  <dgm:styleLbl name="node3">
+    <dgm:fillClrLst meth="repeat">
+      <a:schemeClr val="accent1"/>
+    </dgm:fillClrLst>
+    <dgm:linClrLst meth="repeat">
+      <a:schemeClr val="lt1"/>
+    </dgm:linClrLst>
+    <dgm:effectClrLst/>
+    <dgm:txLinClrLst/>
+    <dgm:txFillClrLst/>
+    <dgm:txEffectClrLst/>
+  </dgm:styleLbl>
+  <dgm:styleLbl name="node4">
+    <dgm:fillClrLst meth="repeat">
+      <a:schemeClr val="accent1"/>
+    </dgm:fillClrLst>
+    <dgm:linClrLst meth="repeat">
+      <a:schemeClr val="lt1"/>
+    </dgm:linClrLst>
+    <dgm:effectClrLst/>
+    <dgm:txLinClrLst/>
+    <dgm:txFillClrLst/>
+    <dgm:txEffectClrLst/>
+  </dgm:styleLbl>
+  <dgm:styleLbl name="fgImgPlace1">
+    <dgm:fillClrLst meth="repeat">
+      <a:schemeClr val="accent1">
+        <a:tint val="50000"/>
+      </a:schemeClr>
+    </dgm:fillClrLst>
+    <dgm:linClrLst meth="repeat">
+      <a:schemeClr val="lt1"/>
+    </dgm:linClrLst>
+    <dgm:effectClrLst/>
+    <dgm:txLinClrLst/>
+    <dgm:txFillClrLst meth="repeat">
+      <a:schemeClr val="lt1"/>
+    </dgm:txFillClrLst>
+    <dgm:txEffectClrLst/>
+  </dgm:styleLbl>
+  <dgm:styleLbl name="alignImgPlace1">
+    <dgm:fillClrLst meth="repeat">
+      <a:schemeClr val="accent1">
+        <a:tint val="50000"/>
+      </a:schemeClr>
+    </dgm:fillClrLst>
+    <dgm:linClrLst meth="repeat">
+      <a:schemeClr val="lt1"/>
+    </dgm:linClrLst>
+    <dgm:effectClrLst/>
+    <dgm:txLinClrLst/>
+    <dgm:txFillClrLst meth="repeat">
+      <a:schemeClr val="lt1"/>
+    </dgm:txFillClrLst>
+    <dgm:txEffectClrLst/>
+  </dgm:styleLbl>
+  <dgm:styleLbl name="bgImgPlace1">
+    <dgm:fillClrLst meth="repeat">
+      <a:schemeClr val="accent1">
+        <a:tint val="50000"/>
+      </a:schemeClr>
+    </dgm:fillClrLst>
+    <dgm:linClrLst meth="repeat">
+      <a:schemeClr val="lt1"/>
+    </dgm:linClrLst>
+    <dgm:effectClrLst/>
+    <dgm:txLinClrLst/>
+    <dgm:txFillClrLst meth="repeat">
+      <a:schemeClr val="lt1"/>
+    </dgm:txFillClrLst>
+    <dgm:txEffectClrLst/>
+  </dgm:styleLbl>
+  <dgm:styleLbl name="sibTrans2D1">
+    <dgm:fillClrLst meth="repeat">
+      <a:schemeClr val="accent1">
+        <a:tint val="60000"/>
+      </a:schemeClr>
+    </dgm:fillClrLst>
+    <dgm:linClrLst meth="repeat">
+      <a:schemeClr val="accent1">
+        <a:tint val="60000"/>
+      </a:schemeClr>
+    </dgm:linClrLst>
+    <dgm:effectClrLst/>
+    <dgm:txLinClrLst/>
+    <dgm:txFillClrLst/>
+    <dgm:txEffectClrLst/>
+  </dgm:styleLbl>
+  <dgm:styleLbl name="fgSibTrans2D1">
+    <dgm:fillClrLst meth="repeat">
+      <a:schemeClr val="accent1">
+        <a:tint val="60000"/>
+      </a:schemeClr>
+    </dgm:fillClrLst>
+    <dgm:linClrLst meth="repeat">
+      <a:schemeClr val="accent1">
+        <a:tint val="60000"/>
+      </a:schemeClr>
+    </dgm:linClrLst>
+    <dgm:effectClrLst/>
+    <dgm:txLinClrLst/>
+    <dgm:txFillClrLst/>
+    <dgm:txEffectClrLst/>
+  </dgm:styleLbl>
+  <dgm:styleLbl name="bgSibTrans2D1">
+    <dgm:fillClrLst meth="repeat">
+      <a:schemeClr val="accent1">
+        <a:tint val="60000"/>
+      </a:schemeClr>
+    </dgm:fillClrLst>
+    <dgm:linClrLst meth="repeat">
+      <a:schemeClr val="accent1">
+        <a:tint val="60000"/>
+      </a:schemeClr>
+    </dgm:linClrLst>
+    <dgm:effectClrLst/>
+    <dgm:txLinClrLst/>
+    <dgm:txFillClrLst/>
+    <dgm:txEffectClrLst/>
+  </dgm:styleLbl>
+  <dgm:styleLbl name="sibTrans1D1">
+    <dgm:fillClrLst meth="repeat">
+      <a:schemeClr val="accent1"/>
+    </dgm:fillClrLst>
+    <dgm:linClrLst meth="repeat">
+      <a:schemeClr val="accent1"/>
+    </dgm:linClrLst>
+    <dgm:effectClrLst/>
+    <dgm:txLinClrLst/>
+    <dgm:txFillClrLst meth="repeat">
+      <a:schemeClr val="tx1"/>
+    </dgm:txFillClrLst>
+    <dgm:txEffectClrLst/>
+  </dgm:styleLbl>
+  <dgm:styleLbl name="callout">
+    <dgm:fillClrLst meth="repeat">
+      <a:schemeClr val="accent1"/>
+    </dgm:fillClrLst>
+    <dgm:linClrLst meth="repeat">
+      <a:schemeClr val="accent1">
+        <a:tint val="50000"/>
+      </a:schemeClr>
+    </dgm:linClrLst>
+    <dgm:effectClrLst/>
+    <dgm:txLinClrLst/>
+    <dgm:txFillClrLst meth="repeat">
+      <a:schemeClr val="tx1"/>
+    </dgm:txFillClrLst>
+    <dgm:txEffectClrLst/>
+  </dgm:styleLbl>
+  <dgm:styleLbl name="asst0">
+    <dgm:fillClrLst meth="repeat">
+      <a:schemeClr val="accent1"/>
+    </dgm:fillClrLst>
+    <dgm:linClrLst meth="repeat">
+      <a:schemeClr val="lt1"/>
+    </dgm:linClrLst>
+    <dgm:effectClrLst/>
+    <dgm:txLinClrLst/>
+    <dgm:txFillClrLst/>
+    <dgm:txEffectClrLst/>
+  </dgm:styleLbl>
+  <dgm:styleLbl name="asst1">
+    <dgm:fillClrLst meth="repeat">
+      <a:schemeClr val="accent1"/>
+    </dgm:fillClrLst>
+    <dgm:linClrLst meth="repeat">
+      <a:schemeClr val="lt1"/>
+    </dgm:linClrLst>
+    <dgm:effectClrLst/>
+    <dgm:txLinClrLst/>
+    <dgm:txFillClrLst/>
+    <dgm:txEffectClrLst/>
+  </dgm:styleLbl>
+  <dgm:styleLbl name="asst2">
+    <dgm:fillClrLst meth="repeat">
+      <a:schemeClr val="accent1"/>
+    </dgm:fillClrLst>
+    <dgm:linClrLst meth="repeat">
+      <a:schemeClr val="lt1"/>
+    </dgm:linClrLst>
+    <dgm:effectClrLst/>
+    <dgm:txLinClrLst/>
+    <dgm:txFillClrLst/>
+    <dgm:txEffectClrLst/>
+  </dgm:styleLbl>
+  <dgm:styleLbl name="asst3">
+    <dgm:fillClrLst meth="repeat">
+      <a:schemeClr val="accent1"/>
+    </dgm:fillClrLst>
+    <dgm:linClrLst meth="repeat">
+      <a:schemeClr val="lt1"/>
+    </dgm:linClrLst>
+    <dgm:effectClrLst/>
+    <dgm:txLinClrLst/>
+    <dgm:txFillClrLst/>
+    <dgm:txEffectClrLst/>
+  </dgm:styleLbl>
+  <dgm:styleLbl name="asst4">
+    <dgm:fillClrLst meth="repeat">
+      <a:schemeClr val="accent1"/>
+    </dgm:fillClrLst>
+    <dgm:linClrLst meth="repeat">
+      <a:schemeClr val="lt1"/>
+    </dgm:linClrLst>
+    <dgm:effectClrLst/>
+    <dgm:txLinClrLst/>
+    <dgm:txFillClrLst/>
+    <dgm:txEffectClrLst/>
+  </dgm:styleLbl>
+  <dgm:styleLbl name="parChTrans2D1">
+    <dgm:fillClrLst meth="repeat">
+      <a:schemeClr val="accent1">
+        <a:tint val="60000"/>
+      </a:schemeClr>
+    </dgm:fillClrLst>
+    <dgm:linClrLst meth="repeat">
+      <a:schemeClr val="accent1">
+        <a:tint val="60000"/>
+      </a:schemeClr>
+    </dgm:linClrLst>
+    <dgm:effectClrLst/>
+    <dgm:txLinClrLst/>
+    <dgm:txFillClrLst meth="repeat">
+      <a:schemeClr val="lt1"/>
+    </dgm:txFillClrLst>
+    <dgm:txEffectClrLst/>
+  </dgm:styleLbl>
+  <dgm:styleLbl name="parChTrans2D2">
+    <dgm:fillClrLst meth="repeat">
+      <a:schemeClr val="accent1"/>
+    </dgm:fillClrLst>
+    <dgm:linClrLst meth="repeat">
+      <a:schemeClr val="accent1"/>
+    </dgm:linClrLst>
+    <dgm:effectClrLst/>
+    <dgm:txLinClrLst/>
+    <dgm:txFillClrLst meth="repeat">
+      <a:schemeClr val="lt1"/>
+    </dgm:txFillClrLst>
+    <dgm:txEffectClrLst/>
+  </dgm:styleLbl>
+  <dgm:styleLbl name="parChTrans2D3">
+    <dgm:fillClrLst meth="repeat">
+      <a:schemeClr val="accent1"/>
+    </dgm:fillClrLst>
+    <dgm:linClrLst meth="repeat">
+      <a:schemeClr val="accent1"/>
+    </dgm:linClrLst>
+    <dgm:effectClrLst/>
+    <dgm:txLinClrLst/>
+    <dgm:txFillClrLst meth="repeat">
+      <a:schemeClr val="lt1"/>
+    </dgm:txFillClrLst>
+    <dgm:txEffectClrLst/>
+  </dgm:styleLbl>
+  <dgm:styleLbl name="parChTrans2D4">
+    <dgm:fillClrLst meth="repeat">
+      <a:schemeClr val="accent1"/>
+    </dgm:fillClrLst>
+    <dgm:linClrLst meth="repeat">
+      <a:schemeClr val="accent1"/>
+    </dgm:linClrLst>
+    <dgm:effectClrLst/>
+    <dgm:txLinClrLst/>
+    <dgm:txFillClrLst meth="repeat">
+      <a:schemeClr val="lt1"/>
+    </dgm:txFillClrLst>
+    <dgm:txEffectClrLst/>
+  </dgm:styleLbl>
+  <dgm:styleLbl name="parChTrans1D1">
+    <dgm:fillClrLst meth="repeat">
+      <a:schemeClr val="accent1"/>
+    </dgm:fillClrLst>
+    <dgm:linClrLst meth="repeat">
+      <a:schemeClr val="accent1">
+        <a:shade val="60000"/>
+      </a:schemeClr>
+    </dgm:linClrLst>
+    <dgm:effectClrLst/>
+    <dgm:txLinClrLst/>
+    <dgm:txFillClrLst meth="repeat">
+      <a:schemeClr val="tx1"/>
+    </dgm:txFillClrLst>
+    <dgm:txEffectClrLst/>
+  </dgm:styleLbl>
+  <dgm:styleLbl name="parChTrans1D2">
+    <dgm:fillClrLst meth="repeat">
+      <a:schemeClr val="accent1"/>
+    </dgm:fillClrLst>
+    <dgm:linClrLst meth="repeat">
+      <a:schemeClr val="accent1">
+        <a:shade val="60000"/>
+      </a:schemeClr>
+    </dgm:linClrLst>
+    <dgm:effectClrLst/>
+    <dgm:txLinClrLst/>
+    <dgm:txFillClrLst meth="repeat">
+      <a:schemeClr val="tx1"/>
+    </dgm:txFillClrLst>
+    <dgm:txEffectClrLst/>
+  </dgm:styleLbl>
+  <dgm:styleLbl name="parChTrans1D3">
+    <dgm:fillClrLst meth="repeat">
+      <a:schemeClr val="accent1"/>
+    </dgm:fillClrLst>
+    <dgm:linClrLst meth="repeat">
+      <a:schemeClr val="accent1">
+        <a:shade val="80000"/>
+      </a:schemeClr>
+    </dgm:linClrLst>
+    <dgm:effectClrLst/>
+    <dgm:txLinClrLst/>
+    <dgm:txFillClrLst meth="repeat">
+      <a:schemeClr val="tx1"/>
+    </dgm:txFillClrLst>
+    <dgm:txEffectClrLst/>
+  </dgm:styleLbl>
+  <dgm:styleLbl name="parChTrans1D4">
+    <dgm:fillClrLst meth="repeat">
+      <a:schemeClr val="accent1"/>
+    </dgm:fillClrLst>
+    <dgm:linClrLst meth="repeat">
+      <a:schemeClr val="accent1">
+        <a:shade val="80000"/>
+      </a:schemeClr>
+    </dgm:linClrLst>
+    <dgm:effectClrLst/>
+    <dgm:txLinClrLst/>
+    <dgm:txFillClrLst meth="repeat">
+      <a:schemeClr val="tx1"/>
+    </dgm:txFillClrLst>
+    <dgm:txEffectClrLst/>
+  </dgm:styleLbl>
+  <dgm:styleLbl name="fgAcc1">
+    <dgm:fillClrLst meth="repeat">
+      <a:schemeClr val="lt1">
+        <a:alpha val="90000"/>
+      </a:schemeClr>
+    </dgm:fillClrLst>
+    <dgm:linClrLst meth="repeat">
+      <a:schemeClr val="accent1"/>
+    </dgm:linClrLst>
+    <dgm:effectClrLst/>
+    <dgm:txLinClrLst/>
+    <dgm:txFillClrLst meth="repeat">
+      <a:schemeClr val="dk1"/>
+    </dgm:txFillClrLst>
+    <dgm:txEffectClrLst/>
+  </dgm:styleLbl>
+  <dgm:styleLbl name="conFgAcc1">
+    <dgm:fillClrLst meth="repeat">
+      <a:schemeClr val="lt1">
+        <a:alpha val="90000"/>
+      </a:schemeClr>
+    </dgm:fillClrLst>
+    <dgm:linClrLst meth="repeat">
+      <a:schemeClr val="accent1"/>
+    </dgm:linClrLst>
+    <dgm:effectClrLst/>
+    <dgm:txLinClrLst/>
+    <dgm:txFillClrLst meth="repeat">
+      <a:schemeClr val="dk1"/>
+    </dgm:txFillClrLst>
+    <dgm:txEffectClrLst/>
+  </dgm:styleLbl>
+  <dgm:styleLbl name="alignAcc1">
+    <dgm:fillClrLst meth="repeat">
+      <a:schemeClr val="lt1">
+        <a:alpha val="90000"/>
+      </a:schemeClr>
+    </dgm:fillClrLst>
+    <dgm:linClrLst meth="repeat">
+      <a:schemeClr val="accent1"/>
+    </dgm:linClrLst>
+    <dgm:effectClrLst/>
+    <dgm:txLinClrLst/>
+    <dgm:txFillClrLst meth="repeat">
+      <a:schemeClr val="dk1"/>
+    </dgm:txFillClrLst>
+    <dgm:txEffectClrLst/>
+  </dgm:styleLbl>
+  <dgm:styleLbl name="trAlignAcc1">
+    <dgm:fillClrLst meth="repeat">
+      <a:schemeClr val="lt1">
+        <a:alpha val="40000"/>
+      </a:schemeClr>
+    </dgm:fillClrLst>
+    <dgm:linClrLst meth="repeat">
+      <a:schemeClr val="accent1"/>
+    </dgm:linClrLst>
+    <dgm:effectClrLst/>
+    <dgm:txLinClrLst/>
+    <dgm:txFillClrLst meth="repeat">
+      <a:schemeClr val="dk1"/>
+    </dgm:txFillClrLst>
+    <dgm:txEffectClrLst/>
+  </dgm:styleLbl>
+  <dgm:styleLbl name="bgAcc1">
+    <dgm:fillClrLst meth="repeat">
+      <a:schemeClr val="lt1">
+        <a:alpha val="90000"/>
+      </a:schemeClr>
+    </dgm:fillClrLst>
+    <dgm:linClrLst meth="repeat">
+      <a:schemeClr val="accent1"/>
+    </dgm:linClrLst>
+    <dgm:effectClrLst/>
+    <dgm:txLinClrLst/>
+    <dgm:txFillClrLst meth="repeat">
+      <a:schemeClr val="dk1"/>
+    </dgm:txFillClrLst>
+    <dgm:txEffectClrLst/>
+  </dgm:styleLbl>
+  <dgm:styleLbl name="solidFgAcc1">
+    <dgm:fillClrLst meth="repeat">
+      <a:schemeClr val="lt1"/>
+    </dgm:fillClrLst>
+    <dgm:linClrLst meth="repeat">
+      <a:schemeClr val="accent1"/>
+    </dgm:linClrLst>
+    <dgm:effectClrLst/>
+    <dgm:txLinClrLst/>
+    <dgm:txFillClrLst meth="repeat">
+      <a:schemeClr val="dk1"/>
+    </dgm:txFillClrLst>
+    <dgm:txEffectClrLst/>
+  </dgm:styleLbl>
+  <dgm:styleLbl name="solidAlignAcc1">
+    <dgm:fillClrLst meth="repeat">
+      <a:schemeClr val="lt1"/>
+    </dgm:fillClrLst>
+    <dgm:linClrLst meth="repeat">
+      <a:schemeClr val="accent1"/>
+    </dgm:linClrLst>
+    <dgm:effectClrLst/>
+    <dgm:txLinClrLst/>
+    <dgm:txFillClrLst meth="repeat">
+      <a:schemeClr val="dk1"/>
+    </dgm:txFillClrLst>
+    <dgm:txEffectClrLst/>
+  </dgm:styleLbl>
+  <dgm:styleLbl name="solidBgAcc1">
+    <dgm:fillClrLst meth="repeat">
+      <a:schemeClr val="lt1"/>
+    </dgm:fillClrLst>
+    <dgm:linClrLst meth="repeat">
+      <a:schemeClr val="accent1"/>
+    </dgm:linClrLst>
+    <dgm:effectClrLst/>
+    <dgm:txLinClrLst/>
+    <dgm:txFillClrLst meth="repeat">
+      <a:schemeClr val="dk1"/>
+    </dgm:txFillClrLst>
+    <dgm:txEffectClrLst/>
+  </dgm:styleLbl>
+  <dgm:styleLbl name="fgAccFollowNode1">
+    <dgm:fillClrLst meth="repeat">
+      <a:schemeClr val="accent1">
+        <a:alpha val="90000"/>
+        <a:tint val="40000"/>
+      </a:schemeClr>
+    </dgm:fillClrLst>
+    <dgm:linClrLst meth="repeat">
+      <a:schemeClr val="accent1">
+        <a:alpha val="90000"/>
+        <a:tint val="40000"/>
+      </a:schemeClr>
+    </dgm:linClrLst>
+    <dgm:effectClrLst/>
+    <dgm:txLinClrLst/>
+    <dgm:txFillClrLst meth="repeat">
+      <a:schemeClr val="dk1"/>
+    </dgm:txFillClrLst>
+    <dgm:txEffectClrLst/>
+  </dgm:styleLbl>
+  <dgm:styleLbl name="alignAccFollowNode1">
+    <dgm:fillClrLst meth="repeat">
+      <a:schemeClr val="accent1">
+        <a:alpha val="90000"/>
+        <a:tint val="40000"/>
+      </a:schemeClr>
+    </dgm:fillClrLst>
+    <dgm:linClrLst meth="repeat">
+      <a:schemeClr val="accent1">
+        <a:alpha val="90000"/>
+        <a:tint val="40000"/>
+      </a:schemeClr>
+    </dgm:linClrLst>
+    <dgm:effectClrLst/>
+    <dgm:txLinClrLst/>
+    <dgm:txFillClrLst meth="repeat">
+      <a:schemeClr val="dk1"/>
+    </dgm:txFillClrLst>
+    <dgm:txEffectClrLst/>
+  </dgm:styleLbl>
+  <dgm:styleLbl name="bgAccFollowNode1">
+    <dgm:fillClrLst meth="repeat">
+      <a:schemeClr val="accent1">
+        <a:alpha val="90000"/>
+        <a:tint val="40000"/>
+      </a:schemeClr>
+    </dgm:fillClrLst>
+    <dgm:linClrLst meth="repeat">
+      <a:schemeClr val="accent1">
+        <a:alpha val="90000"/>
+        <a:tint val="40000"/>
+      </a:schemeClr>
+    </dgm:linClrLst>
+    <dgm:effectClrLst/>
+    <dgm:txLinClrLst/>
+    <dgm:txFillClrLst meth="repeat">
+      <a:schemeClr val="dk1"/>
+    </dgm:txFillClrLst>
+    <dgm:txEffectClrLst/>
+  </dgm:styleLbl>
+  <dgm:styleLbl name="fgAcc0">
+    <dgm:fillClrLst meth="repeat">
+      <a:schemeClr val="lt1">
+        <a:alpha val="90000"/>
+      </a:schemeClr>
+    </dgm:fillClrLst>
+    <dgm:linClrLst meth="repeat">
+      <a:schemeClr val="accent1"/>
+    </dgm:linClrLst>
+    <dgm:effectClrLst/>
+    <dgm:txLinClrLst/>
+    <dgm:txFillClrLst meth="repeat">
+      <a:schemeClr val="dk1"/>
+    </dgm:txFillClrLst>
+    <dgm:txEffectClrLst/>
+  </dgm:styleLbl>
+  <dgm:styleLbl name="fgAcc2">
+    <dgm:fillClrLst meth="repeat">
+      <a:schemeClr val="lt1">
+        <a:alpha val="90000"/>
+      </a:schemeClr>
+    </dgm:fillClrLst>
+    <dgm:linClrLst meth="repeat">
+      <a:schemeClr val="accent1"/>
+    </dgm:linClrLst>
+    <dgm:effectClrLst/>
+    <dgm:txLinClrLst/>
+    <dgm:txFillClrLst meth="repeat">
+      <a:schemeClr val="dk1"/>
+    </dgm:txFillClrLst>
+    <dgm:txEffectClrLst/>
+  </dgm:styleLbl>
+  <dgm:styleLbl name="fgAcc3">
+    <dgm:fillClrLst meth="repeat">
+      <a:schemeClr val="lt1">
+        <a:alpha val="90000"/>
+      </a:schemeClr>
+    </dgm:fillClrLst>
+    <dgm:linClrLst meth="repeat">
+      <a:schemeClr val="accent1"/>
+    </dgm:linClrLst>
+    <dgm:effectClrLst/>
+    <dgm:txLinClrLst/>
+    <dgm:txFillClrLst meth="repeat">
+      <a:schemeClr val="dk1"/>
+    </dgm:txFillClrLst>
+    <dgm:txEffectClrLst/>
+  </dgm:styleLbl>
+  <dgm:styleLbl name="fgAcc4">
+    <dgm:fillClrLst meth="repeat">
+      <a:schemeClr val="lt1">
+        <a:alpha val="90000"/>
+      </a:schemeClr>
+    </dgm:fillClrLst>
+    <dgm:linClrLst meth="repeat">
+      <a:schemeClr val="accent1"/>
+    </dgm:linClrLst>
+    <dgm:effectClrLst/>
+    <dgm:txLinClrLst/>
+    <dgm:txFillClrLst meth="repeat">
+      <a:schemeClr val="dk1"/>
+    </dgm:txFillClrLst>
+    <dgm:txEffectClrLst/>
+  </dgm:styleLbl>
+  <dgm:styleLbl name="bgShp">
+    <dgm:fillClrLst meth="repeat">
+      <a:schemeClr val="accent1">
+        <a:tint val="40000"/>
+      </a:schemeClr>
+    </dgm:fillClrLst>
+    <dgm:linClrLst meth="repeat">
+      <a:schemeClr val="accent1"/>
+    </dgm:linClrLst>
+    <dgm:effectClrLst/>
+    <dgm:txLinClrLst/>
+    <dgm:txFillClrLst meth="repeat">
+      <a:schemeClr val="dk1"/>
+    </dgm:txFillClrLst>
+    <dgm:txEffectClrLst/>
+  </dgm:styleLbl>
+  <dgm:styleLbl name="dkBgShp">
+    <dgm:fillClrLst meth="repeat">
+      <a:schemeClr val="accent1">
+        <a:shade val="80000"/>
+      </a:schemeClr>
+    </dgm:fillClrLst>
+    <dgm:linClrLst meth="repeat">
+      <a:schemeClr val="accent1"/>
+    </dgm:linClrLst>
+    <dgm:effectClrLst/>
+    <dgm:txLinClrLst/>
+    <dgm:txFillClrLst meth="repeat">
+      <a:schemeClr val="lt1"/>
+    </dgm:txFillClrLst>
+    <dgm:txEffectClrLst/>
+  </dgm:styleLbl>
+  <dgm:styleLbl name="trBgShp">
+    <dgm:fillClrLst meth="repeat">
+      <a:schemeClr val="accent1">
+        <a:tint val="50000"/>
+        <a:alpha val="40000"/>
+      </a:schemeClr>
+    </dgm:fillClrLst>
+    <dgm:linClrLst meth="repeat">
+      <a:schemeClr val="accent1"/>
+    </dgm:linClrLst>
+    <dgm:effectClrLst/>
+    <dgm:txLinClrLst/>
+    <dgm:txFillClrLst meth="repeat">
+      <a:schemeClr val="lt1"/>
+    </dgm:txFillClrLst>
+    <dgm:txEffectClrLst/>
+  </dgm:styleLbl>
+  <dgm:styleLbl name="fgShp">
+    <dgm:fillClrLst meth="repeat">
+      <a:schemeClr val="accent1">
+        <a:tint val="60000"/>
+      </a:schemeClr>
+    </dgm:fillClrLst>
+    <dgm:linClrLst meth="repeat">
+      <a:schemeClr val="lt1"/>
+    </dgm:linClrLst>
+    <dgm:effectClrLst/>
+    <dgm:txLinClrLst/>
+    <dgm:txFillClrLst meth="repeat">
+      <a:schemeClr val="dk1"/>
+    </dgm:txFillClrLst>
+    <dgm:txEffectClrLst/>
+  </dgm:styleLbl>
+  <dgm:styleLbl name="revTx">
+    <dgm:fillClrLst meth="repeat">
+      <a:schemeClr val="lt1">
+        <a:alpha val="0"/>
+      </a:schemeClr>
+    </dgm:fillClrLst>
+    <dgm:linClrLst meth="repeat">
+      <a:schemeClr val="dk1">
+        <a:alpha val="0"/>
+      </a:schemeClr>
+    </dgm:linClrLst>
+    <dgm:effectClrLst/>
+    <dgm:txLinClrLst/>
+    <dgm:txFillClrLst meth="repeat">
+      <a:schemeClr val="tx1"/>
+    </dgm:txFillClrLst>
+    <dgm:txEffectClrLst/>
+  </dgm:styleLbl>
+</dgm:colorsDef>
+</file>
+
+<file path=ppt/diagrams/data1.xml><?xml version="1.0" encoding="utf-8"?>
+<dgm:dataModel xmlns:dgm="http://schemas.openxmlformats.org/drawingml/2006/diagram" xmlns:a="http://schemas.openxmlformats.org/drawingml/2006/main">
+  <dgm:ptLst>
+    <dgm:pt modelId="{CB552CBB-E540-4B7D-A0E9-6E266E9B132B}" type="doc">
+      <dgm:prSet loTypeId="urn:microsoft.com/office/officeart/2005/8/layout/default" loCatId="list" qsTypeId="urn:microsoft.com/office/officeart/2005/8/quickstyle/simple4" qsCatId="simple" csTypeId="urn:microsoft.com/office/officeart/2005/8/colors/accent1_2" csCatId="accent1" phldr="1"/>
+      <dgm:spPr/>
+      <dgm:t>
+        <a:bodyPr/>
+        <a:lstStyle/>
+        <a:p>
+          <a:pPr latinLnBrk="1"/>
+          <a:endParaRPr lang="ko-KR" altLang="en-US"/>
+        </a:p>
+      </dgm:t>
+    </dgm:pt>
+    <dgm:pt modelId="{537EB940-7A97-46BD-A3CD-4F8B77F4ED95}">
+      <dgm:prSet phldrT="[텍스트]"/>
+      <dgm:spPr/>
+      <dgm:t>
+        <a:bodyPr/>
+        <a:lstStyle/>
+        <a:p>
+          <a:pPr latinLnBrk="1"/>
+          <a:r>
+            <a:rPr lang="ko-KR" altLang="en-US" dirty="0"/>
+            <a:t>선택장애로 </a:t>
+          </a:r>
+          <a:r>
+            <a:rPr lang="ko-KR" altLang="en-US" dirty="0" err="1"/>
+            <a:t>오랜시간</a:t>
+          </a:r>
+          <a:r>
+            <a:rPr lang="ko-KR" altLang="en-US" dirty="0"/>
+            <a:t> 동안 기회만 </a:t>
+          </a:r>
+          <a:r>
+            <a:rPr lang="ko-KR" altLang="en-US" dirty="0" err="1"/>
+            <a:t>축내왔다</a:t>
+          </a:r>
+          <a:r>
+            <a:rPr lang="en-US" altLang="ko-KR" dirty="0"/>
+            <a:t>.</a:t>
+          </a:r>
+          <a:endParaRPr lang="ko-KR" altLang="en-US" dirty="0"/>
+        </a:p>
+      </dgm:t>
+    </dgm:pt>
+    <dgm:pt modelId="{F6657A28-D5A4-48AE-B7F6-AAD1F31A0A65}" type="parTrans" cxnId="{AC5D2FF2-8623-43B9-8BD2-EB994677D6DA}">
+      <dgm:prSet/>
+      <dgm:spPr/>
+      <dgm:t>
+        <a:bodyPr/>
+        <a:lstStyle/>
+        <a:p>
+          <a:pPr latinLnBrk="1"/>
+          <a:endParaRPr lang="ko-KR" altLang="en-US"/>
+        </a:p>
+      </dgm:t>
+    </dgm:pt>
+    <dgm:pt modelId="{4FB33327-A878-4C95-885D-9FFD8AE5AE8C}" type="sibTrans" cxnId="{AC5D2FF2-8623-43B9-8BD2-EB994677D6DA}">
+      <dgm:prSet/>
+      <dgm:spPr/>
+      <dgm:t>
+        <a:bodyPr/>
+        <a:lstStyle/>
+        <a:p>
+          <a:pPr latinLnBrk="1"/>
+          <a:endParaRPr lang="ko-KR" altLang="en-US"/>
+        </a:p>
+      </dgm:t>
+    </dgm:pt>
+    <dgm:pt modelId="{2EC0DFED-50DD-4FDC-954D-F14362ACC5AC}">
+      <dgm:prSet phldrT="[텍스트]"/>
+      <dgm:spPr/>
+      <dgm:t>
+        <a:bodyPr/>
+        <a:lstStyle/>
+        <a:p>
+          <a:pPr latinLnBrk="1"/>
+          <a:r>
+            <a:rPr lang="ko-KR" altLang="en-US" dirty="0"/>
+            <a:t>삶이란 언제나 선택의 순간이다</a:t>
+          </a:r>
+          <a:r>
+            <a:rPr lang="en-US" altLang="ko-KR" dirty="0"/>
+            <a:t>.</a:t>
+          </a:r>
+          <a:endParaRPr lang="ko-KR" altLang="en-US" dirty="0"/>
+        </a:p>
+      </dgm:t>
+    </dgm:pt>
+    <dgm:pt modelId="{72EA2B41-DE27-424B-B018-BA3C9F905DB9}" type="parTrans" cxnId="{B1B98B15-D24B-4D88-8805-EB1A99A092CA}">
+      <dgm:prSet/>
+      <dgm:spPr/>
+      <dgm:t>
+        <a:bodyPr/>
+        <a:lstStyle/>
+        <a:p>
+          <a:pPr latinLnBrk="1"/>
+          <a:endParaRPr lang="ko-KR" altLang="en-US"/>
+        </a:p>
+      </dgm:t>
+    </dgm:pt>
+    <dgm:pt modelId="{B538B9AA-F895-4B75-84A8-82246AE1C247}" type="sibTrans" cxnId="{B1B98B15-D24B-4D88-8805-EB1A99A092CA}">
+      <dgm:prSet/>
+      <dgm:spPr/>
+      <dgm:t>
+        <a:bodyPr/>
+        <a:lstStyle/>
+        <a:p>
+          <a:pPr latinLnBrk="1"/>
+          <a:endParaRPr lang="ko-KR" altLang="en-US"/>
+        </a:p>
+      </dgm:t>
+    </dgm:pt>
+    <dgm:pt modelId="{7353511B-19C3-4D87-AC8B-2AF10D02136C}">
+      <dgm:prSet phldrT="[텍스트]"/>
+      <dgm:spPr/>
+      <dgm:t>
+        <a:bodyPr/>
+        <a:lstStyle/>
+        <a:p>
+          <a:pPr latinLnBrk="1"/>
+          <a:r>
+            <a:rPr lang="ko-KR" altLang="en-US" dirty="0"/>
+            <a:t>그런 그에게 행복을 주기위해 당신이 찾아왔다</a:t>
+          </a:r>
+          <a:r>
+            <a:rPr lang="en-US" altLang="ko-KR" dirty="0"/>
+            <a:t>!</a:t>
+          </a:r>
+          <a:endParaRPr lang="ko-KR" altLang="en-US" dirty="0"/>
+        </a:p>
+      </dgm:t>
+    </dgm:pt>
+    <dgm:pt modelId="{B25002F9-61B0-4337-B375-43F389ECFDDE}" type="parTrans" cxnId="{BDEE5386-DB5C-468C-81CB-6288B62FFD4E}">
+      <dgm:prSet/>
+      <dgm:spPr/>
+      <dgm:t>
+        <a:bodyPr/>
+        <a:lstStyle/>
+        <a:p>
+          <a:pPr latinLnBrk="1"/>
+          <a:endParaRPr lang="ko-KR" altLang="en-US"/>
+        </a:p>
+      </dgm:t>
+    </dgm:pt>
+    <dgm:pt modelId="{369081FF-57D2-4EB5-87F5-006FC5D99664}" type="sibTrans" cxnId="{BDEE5386-DB5C-468C-81CB-6288B62FFD4E}">
+      <dgm:prSet/>
+      <dgm:spPr/>
+      <dgm:t>
+        <a:bodyPr/>
+        <a:lstStyle/>
+        <a:p>
+          <a:pPr latinLnBrk="1"/>
+          <a:endParaRPr lang="ko-KR" altLang="en-US"/>
+        </a:p>
+      </dgm:t>
+    </dgm:pt>
+    <dgm:pt modelId="{1F5FD1B0-0485-443E-AA8C-6FFE274CBAFB}">
+      <dgm:prSet phldrT="[텍스트]"/>
+      <dgm:spPr/>
+      <dgm:t>
+        <a:bodyPr/>
+        <a:lstStyle/>
+        <a:p>
+          <a:pPr latinLnBrk="1"/>
+          <a:r>
+            <a:rPr lang="en-US" altLang="ko-KR" dirty="0"/>
+            <a:t>000</a:t>
+          </a:r>
+          <a:r>
+            <a:rPr lang="ko-KR" altLang="en-US" dirty="0"/>
+            <a:t>이 바라는 행복한 삶을 선택하자</a:t>
+          </a:r>
+          <a:r>
+            <a:rPr lang="en-US" altLang="ko-KR" dirty="0"/>
+            <a:t>!</a:t>
+          </a:r>
+          <a:endParaRPr lang="ko-KR" altLang="en-US" dirty="0"/>
+        </a:p>
+      </dgm:t>
+    </dgm:pt>
+    <dgm:pt modelId="{30C0C56C-DD13-4589-B5BE-66935CEC6408}" type="parTrans" cxnId="{71D4EAF2-A03D-4CD3-A3E1-814242620A4F}">
+      <dgm:prSet/>
+      <dgm:spPr/>
+      <dgm:t>
+        <a:bodyPr/>
+        <a:lstStyle/>
+        <a:p>
+          <a:pPr latinLnBrk="1"/>
+          <a:endParaRPr lang="ko-KR" altLang="en-US"/>
+        </a:p>
+      </dgm:t>
+    </dgm:pt>
+    <dgm:pt modelId="{7BF95E7C-4930-4C8E-8F8C-1A797AF6BEB8}" type="sibTrans" cxnId="{71D4EAF2-A03D-4CD3-A3E1-814242620A4F}">
+      <dgm:prSet/>
+      <dgm:spPr/>
+      <dgm:t>
+        <a:bodyPr/>
+        <a:lstStyle/>
+        <a:p>
+          <a:pPr latinLnBrk="1"/>
+          <a:endParaRPr lang="ko-KR" altLang="en-US"/>
+        </a:p>
+      </dgm:t>
+    </dgm:pt>
+    <dgm:pt modelId="{01AD86C3-5909-4A8E-916B-19066AE1330F}" type="pres">
+      <dgm:prSet presAssocID="{CB552CBB-E540-4B7D-A0E9-6E266E9B132B}" presName="diagram" presStyleCnt="0">
+        <dgm:presLayoutVars>
+          <dgm:dir val="rev"/>
+          <dgm:resizeHandles val="exact"/>
+        </dgm:presLayoutVars>
+      </dgm:prSet>
+      <dgm:spPr/>
+    </dgm:pt>
+    <dgm:pt modelId="{88E70531-3B4A-4F1B-835A-4BFF24B783B6}" type="pres">
+      <dgm:prSet presAssocID="{537EB940-7A97-46BD-A3CD-4F8B77F4ED95}" presName="node" presStyleLbl="node1" presStyleIdx="0" presStyleCnt="4" custLinFactNeighborX="21639" custLinFactNeighborY="-8085">
+        <dgm:presLayoutVars>
+          <dgm:bulletEnabled val="1"/>
+        </dgm:presLayoutVars>
+      </dgm:prSet>
+      <dgm:spPr/>
+    </dgm:pt>
+    <dgm:pt modelId="{225E1B90-EEA3-43D8-8613-BF413368BDC3}" type="pres">
+      <dgm:prSet presAssocID="{4FB33327-A878-4C95-885D-9FFD8AE5AE8C}" presName="sibTrans" presStyleCnt="0"/>
+      <dgm:spPr/>
+    </dgm:pt>
+    <dgm:pt modelId="{6E0FF6C7-26C1-42C2-AFAE-710EAC1B28BB}" type="pres">
+      <dgm:prSet presAssocID="{1F5FD1B0-0485-443E-AA8C-6FFE274CBAFB}" presName="node" presStyleLbl="node1" presStyleIdx="1" presStyleCnt="4" custLinFactX="71442" custLinFactY="46934" custLinFactNeighborX="100000" custLinFactNeighborY="100000">
+        <dgm:presLayoutVars>
+          <dgm:bulletEnabled val="1"/>
+        </dgm:presLayoutVars>
+      </dgm:prSet>
+      <dgm:spPr/>
+    </dgm:pt>
+    <dgm:pt modelId="{10A5F20D-4549-4C6F-9751-EA63BD00D102}" type="pres">
+      <dgm:prSet presAssocID="{7BF95E7C-4930-4C8E-8F8C-1A797AF6BEB8}" presName="sibTrans" presStyleCnt="0"/>
+      <dgm:spPr/>
+    </dgm:pt>
+    <dgm:pt modelId="{AD47B925-E638-4E03-AD8D-9B7083AEA4A9}" type="pres">
+      <dgm:prSet presAssocID="{7353511B-19C3-4D87-AC8B-2AF10D02136C}" presName="node" presStyleLbl="node1" presStyleIdx="2" presStyleCnt="4" custLinFactX="-45306" custLinFactNeighborX="-100000" custLinFactNeighborY="16129">
+        <dgm:presLayoutVars>
+          <dgm:bulletEnabled val="1"/>
+        </dgm:presLayoutVars>
+      </dgm:prSet>
+      <dgm:spPr/>
+    </dgm:pt>
+    <dgm:pt modelId="{0CA434EC-B396-42B6-A7BF-952D917CA8D2}" type="pres">
+      <dgm:prSet presAssocID="{369081FF-57D2-4EB5-87F5-006FC5D99664}" presName="sibTrans" presStyleCnt="0"/>
+      <dgm:spPr/>
+    </dgm:pt>
+    <dgm:pt modelId="{0F059AD3-8625-4585-8D81-FF4AB8E3DD00}" type="pres">
+      <dgm:prSet presAssocID="{2EC0DFED-50DD-4FDC-954D-F14362ACC5AC}" presName="node" presStyleLbl="node1" presStyleIdx="3" presStyleCnt="4" custLinFactY="-36286" custLinFactNeighborX="-28616" custLinFactNeighborY="-100000">
+        <dgm:presLayoutVars>
+          <dgm:bulletEnabled val="1"/>
+        </dgm:presLayoutVars>
+      </dgm:prSet>
+      <dgm:spPr/>
+    </dgm:pt>
+  </dgm:ptLst>
+  <dgm:cxnLst>
+    <dgm:cxn modelId="{B1B98B15-D24B-4D88-8805-EB1A99A092CA}" srcId="{CB552CBB-E540-4B7D-A0E9-6E266E9B132B}" destId="{2EC0DFED-50DD-4FDC-954D-F14362ACC5AC}" srcOrd="3" destOrd="0" parTransId="{72EA2B41-DE27-424B-B018-BA3C9F905DB9}" sibTransId="{B538B9AA-F895-4B75-84A8-82246AE1C247}"/>
+    <dgm:cxn modelId="{C977D81C-94A5-41A6-B78A-89DF5874C01C}" type="presOf" srcId="{CB552CBB-E540-4B7D-A0E9-6E266E9B132B}" destId="{01AD86C3-5909-4A8E-916B-19066AE1330F}" srcOrd="0" destOrd="0" presId="urn:microsoft.com/office/officeart/2005/8/layout/default"/>
+    <dgm:cxn modelId="{EF565536-9147-4ED1-8D51-3C6155E3F289}" type="presOf" srcId="{537EB940-7A97-46BD-A3CD-4F8B77F4ED95}" destId="{88E70531-3B4A-4F1B-835A-4BFF24B783B6}" srcOrd="0" destOrd="0" presId="urn:microsoft.com/office/officeart/2005/8/layout/default"/>
+    <dgm:cxn modelId="{7518FE6B-85A8-4340-9B7D-1A2092790E9C}" type="presOf" srcId="{1F5FD1B0-0485-443E-AA8C-6FFE274CBAFB}" destId="{6E0FF6C7-26C1-42C2-AFAE-710EAC1B28BB}" srcOrd="0" destOrd="0" presId="urn:microsoft.com/office/officeart/2005/8/layout/default"/>
+    <dgm:cxn modelId="{BDEE5386-DB5C-468C-81CB-6288B62FFD4E}" srcId="{CB552CBB-E540-4B7D-A0E9-6E266E9B132B}" destId="{7353511B-19C3-4D87-AC8B-2AF10D02136C}" srcOrd="2" destOrd="0" parTransId="{B25002F9-61B0-4337-B375-43F389ECFDDE}" sibTransId="{369081FF-57D2-4EB5-87F5-006FC5D99664}"/>
+    <dgm:cxn modelId="{B10B52A5-8ADC-4D7D-8F26-C7228EC04FEC}" type="presOf" srcId="{2EC0DFED-50DD-4FDC-954D-F14362ACC5AC}" destId="{0F059AD3-8625-4585-8D81-FF4AB8E3DD00}" srcOrd="0" destOrd="0" presId="urn:microsoft.com/office/officeart/2005/8/layout/default"/>
+    <dgm:cxn modelId="{1E6F17A6-A6E3-43AE-A2B4-9AE7D8C3CCAC}" type="presOf" srcId="{7353511B-19C3-4D87-AC8B-2AF10D02136C}" destId="{AD47B925-E638-4E03-AD8D-9B7083AEA4A9}" srcOrd="0" destOrd="0" presId="urn:microsoft.com/office/officeart/2005/8/layout/default"/>
+    <dgm:cxn modelId="{AC5D2FF2-8623-43B9-8BD2-EB994677D6DA}" srcId="{CB552CBB-E540-4B7D-A0E9-6E266E9B132B}" destId="{537EB940-7A97-46BD-A3CD-4F8B77F4ED95}" srcOrd="0" destOrd="0" parTransId="{F6657A28-D5A4-48AE-B7F6-AAD1F31A0A65}" sibTransId="{4FB33327-A878-4C95-885D-9FFD8AE5AE8C}"/>
+    <dgm:cxn modelId="{71D4EAF2-A03D-4CD3-A3E1-814242620A4F}" srcId="{CB552CBB-E540-4B7D-A0E9-6E266E9B132B}" destId="{1F5FD1B0-0485-443E-AA8C-6FFE274CBAFB}" srcOrd="1" destOrd="0" parTransId="{30C0C56C-DD13-4589-B5BE-66935CEC6408}" sibTransId="{7BF95E7C-4930-4C8E-8F8C-1A797AF6BEB8}"/>
+    <dgm:cxn modelId="{EB0ED3D0-A798-4A24-A11F-1A8941D53CD5}" type="presParOf" srcId="{01AD86C3-5909-4A8E-916B-19066AE1330F}" destId="{88E70531-3B4A-4F1B-835A-4BFF24B783B6}" srcOrd="0" destOrd="0" presId="urn:microsoft.com/office/officeart/2005/8/layout/default"/>
+    <dgm:cxn modelId="{5098631E-F155-43B0-888F-7CA1B217550D}" type="presParOf" srcId="{01AD86C3-5909-4A8E-916B-19066AE1330F}" destId="{225E1B90-EEA3-43D8-8613-BF413368BDC3}" srcOrd="1" destOrd="0" presId="urn:microsoft.com/office/officeart/2005/8/layout/default"/>
+    <dgm:cxn modelId="{6E5ECBC6-45EF-436E-9E32-645B1BA8FE69}" type="presParOf" srcId="{01AD86C3-5909-4A8E-916B-19066AE1330F}" destId="{6E0FF6C7-26C1-42C2-AFAE-710EAC1B28BB}" srcOrd="2" destOrd="0" presId="urn:microsoft.com/office/officeart/2005/8/layout/default"/>
+    <dgm:cxn modelId="{327D4A9A-7B2E-4C4F-9BC1-AE552DE4A7C1}" type="presParOf" srcId="{01AD86C3-5909-4A8E-916B-19066AE1330F}" destId="{10A5F20D-4549-4C6F-9751-EA63BD00D102}" srcOrd="3" destOrd="0" presId="urn:microsoft.com/office/officeart/2005/8/layout/default"/>
+    <dgm:cxn modelId="{7E15C25A-FA38-4361-B5DF-0CE5AC99A363}" type="presParOf" srcId="{01AD86C3-5909-4A8E-916B-19066AE1330F}" destId="{AD47B925-E638-4E03-AD8D-9B7083AEA4A9}" srcOrd="4" destOrd="0" presId="urn:microsoft.com/office/officeart/2005/8/layout/default"/>
+    <dgm:cxn modelId="{A08820D4-C0F0-4D2B-AF4C-73516E48748F}" type="presParOf" srcId="{01AD86C3-5909-4A8E-916B-19066AE1330F}" destId="{0CA434EC-B396-42B6-A7BF-952D917CA8D2}" srcOrd="5" destOrd="0" presId="urn:microsoft.com/office/officeart/2005/8/layout/default"/>
+    <dgm:cxn modelId="{DD2CD387-8AFE-4651-9F04-5E645C98E505}" type="presParOf" srcId="{01AD86C3-5909-4A8E-916B-19066AE1330F}" destId="{0F059AD3-8625-4585-8D81-FF4AB8E3DD00}" srcOrd="6" destOrd="0" presId="urn:microsoft.com/office/officeart/2005/8/layout/default"/>
+  </dgm:cxnLst>
+  <dgm:bg/>
+  <dgm:whole/>
+  <dgm:extLst>
+    <a:ext uri="http://schemas.microsoft.com/office/drawing/2008/diagram">
+      <dsp:dataModelExt xmlns:dsp="http://schemas.microsoft.com/office/drawing/2008/diagram" relId="rId7" minVer="http://schemas.openxmlformats.org/drawingml/2006/diagram"/>
+    </a:ext>
+  </dgm:extLst>
+</dgm:dataModel>
+</file>
+
+<file path=ppt/diagrams/drawing1.xml><?xml version="1.0" encoding="utf-8"?>
+<dsp:drawing xmlns:dgm="http://schemas.openxmlformats.org/drawingml/2006/diagram" xmlns:dsp="http://schemas.microsoft.com/office/drawing/2008/diagram" xmlns:a="http://schemas.openxmlformats.org/drawingml/2006/main">
+  <dsp:spTree>
+    <dsp:nvGrpSpPr>
+      <dsp:cNvPr id="0" name=""/>
+      <dsp:cNvGrpSpPr/>
+    </dsp:nvGrpSpPr>
+    <dsp:grpSpPr/>
+    <dsp:sp modelId="{88E70531-3B4A-4F1B-835A-4BFF24B783B6}">
+      <dsp:nvSpPr>
+        <dsp:cNvPr id="0" name=""/>
+        <dsp:cNvSpPr/>
+      </dsp:nvSpPr>
+      <dsp:spPr>
+        <a:xfrm>
+          <a:off x="4288164" y="0"/>
+          <a:ext cx="3036406" cy="1821843"/>
+        </a:xfrm>
+        <a:prstGeom prst="rect">
+          <a:avLst/>
+        </a:prstGeom>
+        <a:gradFill rotWithShape="0">
+          <a:gsLst>
+            <a:gs pos="0">
+              <a:schemeClr val="accent1">
+                <a:hueOff val="0"/>
+                <a:satOff val="0"/>
+                <a:lumOff val="0"/>
+                <a:alphaOff val="0"/>
+                <a:satMod val="103000"/>
+                <a:lumMod val="102000"/>
+                <a:tint val="94000"/>
+              </a:schemeClr>
+            </a:gs>
+            <a:gs pos="50000">
+              <a:schemeClr val="accent1">
+                <a:hueOff val="0"/>
+                <a:satOff val="0"/>
+                <a:lumOff val="0"/>
+                <a:alphaOff val="0"/>
+                <a:satMod val="110000"/>
+                <a:lumMod val="100000"/>
+                <a:shade val="100000"/>
+              </a:schemeClr>
+            </a:gs>
+            <a:gs pos="100000">
+              <a:schemeClr val="accent1">
+                <a:hueOff val="0"/>
+                <a:satOff val="0"/>
+                <a:lumOff val="0"/>
+                <a:alphaOff val="0"/>
+                <a:lumMod val="99000"/>
+                <a:satMod val="120000"/>
+                <a:shade val="78000"/>
+              </a:schemeClr>
+            </a:gs>
+          </a:gsLst>
+          <a:lin ang="5400000" scaled="0"/>
+        </a:gradFill>
+        <a:ln>
+          <a:noFill/>
+        </a:ln>
+        <a:effectLst/>
+      </dsp:spPr>
+      <dsp:style>
+        <a:lnRef idx="0">
+          <a:scrgbClr r="0" g="0" b="0"/>
+        </a:lnRef>
+        <a:fillRef idx="3">
+          <a:scrgbClr r="0" g="0" b="0"/>
+        </a:fillRef>
+        <a:effectRef idx="2">
+          <a:scrgbClr r="0" g="0" b="0"/>
+        </a:effectRef>
+        <a:fontRef idx="minor">
+          <a:schemeClr val="lt1"/>
+        </a:fontRef>
+      </dsp:style>
+      <dsp:txBody>
+        <a:bodyPr spcFirstLastPara="0" vert="horz" wrap="square" lIns="102870" tIns="102870" rIns="102870" bIns="102870" numCol="1" spcCol="1270" anchor="ctr" anchorCtr="0">
+          <a:noAutofit/>
+        </a:bodyPr>
+        <a:lstStyle/>
+        <a:p>
+          <a:pPr marL="0" lvl="0" indent="0" algn="ctr" defTabSz="1200150" latinLnBrk="1">
+            <a:lnSpc>
+              <a:spcPct val="90000"/>
+            </a:lnSpc>
+            <a:spcBef>
+              <a:spcPct val="0"/>
+            </a:spcBef>
+            <a:spcAft>
+              <a:spcPct val="35000"/>
+            </a:spcAft>
+            <a:buNone/>
+          </a:pPr>
+          <a:r>
+            <a:rPr lang="ko-KR" altLang="en-US" sz="2700" kern="1200" dirty="0"/>
+            <a:t>선택장애로 </a:t>
+          </a:r>
+          <a:r>
+            <a:rPr lang="ko-KR" altLang="en-US" sz="2700" kern="1200" dirty="0" err="1"/>
+            <a:t>오랜시간</a:t>
+          </a:r>
+          <a:r>
+            <a:rPr lang="ko-KR" altLang="en-US" sz="2700" kern="1200" dirty="0"/>
+            <a:t> 동안 기회만 </a:t>
+          </a:r>
+          <a:r>
+            <a:rPr lang="ko-KR" altLang="en-US" sz="2700" kern="1200" dirty="0" err="1"/>
+            <a:t>축내왔다</a:t>
+          </a:r>
+          <a:r>
+            <a:rPr lang="en-US" altLang="ko-KR" sz="2700" kern="1200" dirty="0"/>
+            <a:t>.</a:t>
+          </a:r>
+          <a:endParaRPr lang="ko-KR" altLang="en-US" sz="2700" kern="1200" dirty="0"/>
+        </a:p>
+      </dsp:txBody>
+      <dsp:txXfrm>
+        <a:off x="4288164" y="0"/>
+        <a:ext cx="3036406" cy="1821843"/>
+      </dsp:txXfrm>
+    </dsp:sp>
+    <dsp:sp modelId="{6E0FF6C7-26C1-42C2-AFAE-710EAC1B28BB}">
+      <dsp:nvSpPr>
+        <dsp:cNvPr id="0" name=""/>
+        <dsp:cNvSpPr/>
+      </dsp:nvSpPr>
+      <dsp:spPr>
+        <a:xfrm>
+          <a:off x="4288164" y="2127487"/>
+          <a:ext cx="3036406" cy="1821843"/>
+        </a:xfrm>
+        <a:prstGeom prst="rect">
+          <a:avLst/>
+        </a:prstGeom>
+        <a:gradFill rotWithShape="0">
+          <a:gsLst>
+            <a:gs pos="0">
+              <a:schemeClr val="accent1">
+                <a:hueOff val="0"/>
+                <a:satOff val="0"/>
+                <a:lumOff val="0"/>
+                <a:alphaOff val="0"/>
+                <a:satMod val="103000"/>
+                <a:lumMod val="102000"/>
+                <a:tint val="94000"/>
+              </a:schemeClr>
+            </a:gs>
+            <a:gs pos="50000">
+              <a:schemeClr val="accent1">
+                <a:hueOff val="0"/>
+                <a:satOff val="0"/>
+                <a:lumOff val="0"/>
+                <a:alphaOff val="0"/>
+                <a:satMod val="110000"/>
+                <a:lumMod val="100000"/>
+                <a:shade val="100000"/>
+              </a:schemeClr>
+            </a:gs>
+            <a:gs pos="100000">
+              <a:schemeClr val="accent1">
+                <a:hueOff val="0"/>
+                <a:satOff val="0"/>
+                <a:lumOff val="0"/>
+                <a:alphaOff val="0"/>
+                <a:lumMod val="99000"/>
+                <a:satMod val="120000"/>
+                <a:shade val="78000"/>
+              </a:schemeClr>
+            </a:gs>
+          </a:gsLst>
+          <a:lin ang="5400000" scaled="0"/>
+        </a:gradFill>
+        <a:ln>
+          <a:noFill/>
+        </a:ln>
+        <a:effectLst/>
+      </dsp:spPr>
+      <dsp:style>
+        <a:lnRef idx="0">
+          <a:scrgbClr r="0" g="0" b="0"/>
+        </a:lnRef>
+        <a:fillRef idx="3">
+          <a:scrgbClr r="0" g="0" b="0"/>
+        </a:fillRef>
+        <a:effectRef idx="2">
+          <a:scrgbClr r="0" g="0" b="0"/>
+        </a:effectRef>
+        <a:fontRef idx="minor">
+          <a:schemeClr val="lt1"/>
+        </a:fontRef>
+      </dsp:style>
+      <dsp:txBody>
+        <a:bodyPr spcFirstLastPara="0" vert="horz" wrap="square" lIns="102870" tIns="102870" rIns="102870" bIns="102870" numCol="1" spcCol="1270" anchor="ctr" anchorCtr="0">
+          <a:noAutofit/>
+        </a:bodyPr>
+        <a:lstStyle/>
+        <a:p>
+          <a:pPr marL="0" lvl="0" indent="0" algn="ctr" defTabSz="1200150" latinLnBrk="1">
+            <a:lnSpc>
+              <a:spcPct val="90000"/>
+            </a:lnSpc>
+            <a:spcBef>
+              <a:spcPct val="0"/>
+            </a:spcBef>
+            <a:spcAft>
+              <a:spcPct val="35000"/>
+            </a:spcAft>
+            <a:buNone/>
+          </a:pPr>
+          <a:r>
+            <a:rPr lang="en-US" altLang="ko-KR" sz="2700" kern="1200" dirty="0"/>
+            <a:t>000</a:t>
+          </a:r>
+          <a:r>
+            <a:rPr lang="ko-KR" altLang="en-US" sz="2700" kern="1200" dirty="0"/>
+            <a:t>이 바라는 행복한 삶을 선택하자</a:t>
+          </a:r>
+          <a:r>
+            <a:rPr lang="en-US" altLang="ko-KR" sz="2700" kern="1200" dirty="0"/>
+            <a:t>!</a:t>
+          </a:r>
+          <a:endParaRPr lang="ko-KR" altLang="en-US" sz="2700" kern="1200" dirty="0"/>
+        </a:p>
+      </dsp:txBody>
+      <dsp:txXfrm>
+        <a:off x="4288164" y="2127487"/>
+        <a:ext cx="3036406" cy="1821843"/>
+      </dsp:txXfrm>
+    </dsp:sp>
+    <dsp:sp modelId="{AD47B925-E638-4E03-AD8D-9B7083AEA4A9}">
+      <dsp:nvSpPr>
+        <dsp:cNvPr id="0" name=""/>
+        <dsp:cNvSpPr/>
+      </dsp:nvSpPr>
+      <dsp:spPr>
+        <a:xfrm>
+          <a:off x="0" y="2127487"/>
+          <a:ext cx="3036406" cy="1821843"/>
+        </a:xfrm>
+        <a:prstGeom prst="rect">
+          <a:avLst/>
+        </a:prstGeom>
+        <a:gradFill rotWithShape="0">
+          <a:gsLst>
+            <a:gs pos="0">
+              <a:schemeClr val="accent1">
+                <a:hueOff val="0"/>
+                <a:satOff val="0"/>
+                <a:lumOff val="0"/>
+                <a:alphaOff val="0"/>
+                <a:satMod val="103000"/>
+                <a:lumMod val="102000"/>
+                <a:tint val="94000"/>
+              </a:schemeClr>
+            </a:gs>
+            <a:gs pos="50000">
+              <a:schemeClr val="accent1">
+                <a:hueOff val="0"/>
+                <a:satOff val="0"/>
+                <a:lumOff val="0"/>
+                <a:alphaOff val="0"/>
+                <a:satMod val="110000"/>
+                <a:lumMod val="100000"/>
+                <a:shade val="100000"/>
+              </a:schemeClr>
+            </a:gs>
+            <a:gs pos="100000">
+              <a:schemeClr val="accent1">
+                <a:hueOff val="0"/>
+                <a:satOff val="0"/>
+                <a:lumOff val="0"/>
+                <a:alphaOff val="0"/>
+                <a:lumMod val="99000"/>
+                <a:satMod val="120000"/>
+                <a:shade val="78000"/>
+              </a:schemeClr>
+            </a:gs>
+          </a:gsLst>
+          <a:lin ang="5400000" scaled="0"/>
+        </a:gradFill>
+        <a:ln>
+          <a:noFill/>
+        </a:ln>
+        <a:effectLst/>
+      </dsp:spPr>
+      <dsp:style>
+        <a:lnRef idx="0">
+          <a:scrgbClr r="0" g="0" b="0"/>
+        </a:lnRef>
+        <a:fillRef idx="3">
+          <a:scrgbClr r="0" g="0" b="0"/>
+        </a:fillRef>
+        <a:effectRef idx="2">
+          <a:scrgbClr r="0" g="0" b="0"/>
+        </a:effectRef>
+        <a:fontRef idx="minor">
+          <a:schemeClr val="lt1"/>
+        </a:fontRef>
+      </dsp:style>
+      <dsp:txBody>
+        <a:bodyPr spcFirstLastPara="0" vert="horz" wrap="square" lIns="102870" tIns="102870" rIns="102870" bIns="102870" numCol="1" spcCol="1270" anchor="ctr" anchorCtr="0">
+          <a:noAutofit/>
+        </a:bodyPr>
+        <a:lstStyle/>
+        <a:p>
+          <a:pPr marL="0" lvl="0" indent="0" algn="ctr" defTabSz="1200150" latinLnBrk="1">
+            <a:lnSpc>
+              <a:spcPct val="90000"/>
+            </a:lnSpc>
+            <a:spcBef>
+              <a:spcPct val="0"/>
+            </a:spcBef>
+            <a:spcAft>
+              <a:spcPct val="35000"/>
+            </a:spcAft>
+            <a:buNone/>
+          </a:pPr>
+          <a:r>
+            <a:rPr lang="ko-KR" altLang="en-US" sz="2700" kern="1200" dirty="0"/>
+            <a:t>그런 그에게 행복을 주기위해 당신이 찾아왔다</a:t>
+          </a:r>
+          <a:r>
+            <a:rPr lang="en-US" altLang="ko-KR" sz="2700" kern="1200" dirty="0"/>
+            <a:t>!</a:t>
+          </a:r>
+          <a:endParaRPr lang="ko-KR" altLang="en-US" sz="2700" kern="1200" dirty="0"/>
+        </a:p>
+      </dsp:txBody>
+      <dsp:txXfrm>
+        <a:off x="0" y="2127487"/>
+        <a:ext cx="3036406" cy="1821843"/>
+      </dsp:txXfrm>
+    </dsp:sp>
+    <dsp:sp modelId="{0F059AD3-8625-4585-8D81-FF4AB8E3DD00}">
+      <dsp:nvSpPr>
+        <dsp:cNvPr id="0" name=""/>
+        <dsp:cNvSpPr/>
+      </dsp:nvSpPr>
+      <dsp:spPr>
+        <a:xfrm>
+          <a:off x="0" y="0"/>
+          <a:ext cx="3036406" cy="1821843"/>
+        </a:xfrm>
+        <a:prstGeom prst="rect">
+          <a:avLst/>
+        </a:prstGeom>
+        <a:gradFill rotWithShape="0">
+          <a:gsLst>
+            <a:gs pos="0">
+              <a:schemeClr val="accent1">
+                <a:hueOff val="0"/>
+                <a:satOff val="0"/>
+                <a:lumOff val="0"/>
+                <a:alphaOff val="0"/>
+                <a:satMod val="103000"/>
+                <a:lumMod val="102000"/>
+                <a:tint val="94000"/>
+              </a:schemeClr>
+            </a:gs>
+            <a:gs pos="50000">
+              <a:schemeClr val="accent1">
+                <a:hueOff val="0"/>
+                <a:satOff val="0"/>
+                <a:lumOff val="0"/>
+                <a:alphaOff val="0"/>
+                <a:satMod val="110000"/>
+                <a:lumMod val="100000"/>
+                <a:shade val="100000"/>
+              </a:schemeClr>
+            </a:gs>
+            <a:gs pos="100000">
+              <a:schemeClr val="accent1">
+                <a:hueOff val="0"/>
+                <a:satOff val="0"/>
+                <a:lumOff val="0"/>
+                <a:alphaOff val="0"/>
+                <a:lumMod val="99000"/>
+                <a:satMod val="120000"/>
+                <a:shade val="78000"/>
+              </a:schemeClr>
+            </a:gs>
+          </a:gsLst>
+          <a:lin ang="5400000" scaled="0"/>
+        </a:gradFill>
+        <a:ln>
+          <a:noFill/>
+        </a:ln>
+        <a:effectLst/>
+      </dsp:spPr>
+      <dsp:style>
+        <a:lnRef idx="0">
+          <a:scrgbClr r="0" g="0" b="0"/>
+        </a:lnRef>
+        <a:fillRef idx="3">
+          <a:scrgbClr r="0" g="0" b="0"/>
+        </a:fillRef>
+        <a:effectRef idx="2">
+          <a:scrgbClr r="0" g="0" b="0"/>
+        </a:effectRef>
+        <a:fontRef idx="minor">
+          <a:schemeClr val="lt1"/>
+        </a:fontRef>
+      </dsp:style>
+      <dsp:txBody>
+        <a:bodyPr spcFirstLastPara="0" vert="horz" wrap="square" lIns="102870" tIns="102870" rIns="102870" bIns="102870" numCol="1" spcCol="1270" anchor="ctr" anchorCtr="0">
+          <a:noAutofit/>
+        </a:bodyPr>
+        <a:lstStyle/>
+        <a:p>
+          <a:pPr marL="0" lvl="0" indent="0" algn="ctr" defTabSz="1200150" latinLnBrk="1">
+            <a:lnSpc>
+              <a:spcPct val="90000"/>
+            </a:lnSpc>
+            <a:spcBef>
+              <a:spcPct val="0"/>
+            </a:spcBef>
+            <a:spcAft>
+              <a:spcPct val="35000"/>
+            </a:spcAft>
+            <a:buNone/>
+          </a:pPr>
+          <a:r>
+            <a:rPr lang="ko-KR" altLang="en-US" sz="2700" kern="1200" dirty="0"/>
+            <a:t>삶이란 언제나 선택의 순간이다</a:t>
+          </a:r>
+          <a:r>
+            <a:rPr lang="en-US" altLang="ko-KR" sz="2700" kern="1200" dirty="0"/>
+            <a:t>.</a:t>
+          </a:r>
+          <a:endParaRPr lang="ko-KR" altLang="en-US" sz="2700" kern="1200" dirty="0"/>
+        </a:p>
+      </dsp:txBody>
+      <dsp:txXfrm>
+        <a:off x="0" y="0"/>
+        <a:ext cx="3036406" cy="1821843"/>
+      </dsp:txXfrm>
+    </dsp:sp>
+  </dsp:spTree>
+</dsp:drawing>
+</file>
+
+<file path=ppt/diagrams/layout1.xml><?xml version="1.0" encoding="utf-8"?>
+<dgm:layoutDef xmlns:dgm="http://schemas.openxmlformats.org/drawingml/2006/diagram" xmlns:a="http://schemas.openxmlformats.org/drawingml/2006/main" uniqueId="urn:microsoft.com/office/officeart/2005/8/layout/default">
+  <dgm:title val=""/>
+  <dgm:desc val=""/>
+  <dgm:catLst>
+    <dgm:cat type="list" pri="400"/>
+  </dgm:catLst>
+  <dgm:sampData>
+    <dgm:dataModel>
+      <dgm:ptLst>
+        <dgm:pt modelId="0" type="doc"/>
+        <dgm:pt modelId="1">
+          <dgm:prSet phldr="1"/>
+        </dgm:pt>
+        <dgm:pt modelId="2">
+          <dgm:prSet phldr="1"/>
+        </dgm:pt>
+        <dgm:pt modelId="3">
+          <dgm:prSet phldr="1"/>
+        </dgm:pt>
+        <dgm:pt modelId="4">
+          <dgm:prSet phldr="1"/>
+        </dgm:pt>
+        <dgm:pt modelId="5">
+          <dgm:prSet phldr="1"/>
+        </dgm:pt>
+      </dgm:ptLst>
+      <dgm:cxnLst>
+        <dgm:cxn modelId="6" srcId="0" destId="1" srcOrd="0" destOrd="0"/>
+        <dgm:cxn modelId="7" srcId="0" destId="2" srcOrd="1" destOrd="0"/>
+        <dgm:cxn modelId="8" srcId="0" destId="3" srcOrd="2" destOrd="0"/>
+        <dgm:cxn modelId="9" srcId="0" destId="4" srcOrd="3" destOrd="0"/>
+        <dgm:cxn modelId="10" srcId="0" destId="5" srcOrd="4" destOrd="0"/>
+      </dgm:cxnLst>
+      <dgm:bg/>
+      <dgm:whole/>
+    </dgm:dataModel>
+  </dgm:sampData>
+  <dgm:styleData>
+    <dgm:dataModel>
+      <dgm:ptLst>
+        <dgm:pt modelId="0" type="doc"/>
+        <dgm:pt modelId="1"/>
+        <dgm:pt modelId="2"/>
+      </dgm:ptLst>
+      <dgm:cxnLst>
+        <dgm:cxn modelId="3" srcId="0" destId="1" srcOrd="0" destOrd="0"/>
+        <dgm:cxn modelId="4" srcId="0" destId="2" srcOrd="1" destOrd="0"/>
+      </dgm:cxnLst>
+      <dgm:bg/>
+      <dgm:whole/>
+    </dgm:dataModel>
+  </dgm:styleData>
+  <dgm:clrData>
+    <dgm:dataModel>
+      <dgm:ptLst>
+        <dgm:pt modelId="0" type="doc"/>
+        <dgm:pt modelId="1"/>
+        <dgm:pt modelId="2"/>
+        <dgm:pt modelId="3"/>
+        <dgm:pt modelId="4"/>
+        <dgm:pt modelId="5"/>
+        <dgm:pt modelId="6"/>
+      </dgm:ptLst>
+      <dgm:cxnLst>
+        <dgm:cxn modelId="7" srcId="0" destId="1" srcOrd="0" destOrd="0"/>
+        <dgm:cxn modelId="8" srcId="0" destId="2" srcOrd="1" destOrd="0"/>
+        <dgm:cxn modelId="9" srcId="0" destId="3" srcOrd="2" destOrd="0"/>
+        <dgm:cxn modelId="10" srcId="0" destId="4" srcOrd="3" destOrd="0"/>
+        <dgm:cxn modelId="11" srcId="0" destId="5" srcOrd="4" destOrd="0"/>
+        <dgm:cxn modelId="12" srcId="0" destId="6" srcOrd="5" destOrd="0"/>
+      </dgm:cxnLst>
+      <dgm:bg/>
+      <dgm:whole/>
+    </dgm:dataModel>
+  </dgm:clrData>
+  <dgm:layoutNode name="diagram">
+    <dgm:varLst>
+      <dgm:dir/>
+      <dgm:resizeHandles val="exact"/>
+    </dgm:varLst>
+    <dgm:choose name="Name0">
+      <dgm:if name="Name1" func="var" arg="dir" op="equ" val="norm">
+        <dgm:alg type="snake">
+          <dgm:param type="grDir" val="tL"/>
+          <dgm:param type="flowDir" val="row"/>
+          <dgm:param type="contDir" val="sameDir"/>
+          <dgm:param type="off" val="ctr"/>
+        </dgm:alg>
+      </dgm:if>
+      <dgm:else name="Name2">
+        <dgm:alg type="snake">
+          <dgm:param type="grDir" val="tR"/>
+          <dgm:param type="flowDir" val="row"/>
+          <dgm:param type="contDir" val="sameDir"/>
+          <dgm:param type="off" val="ctr"/>
+        </dgm:alg>
+      </dgm:else>
+    </dgm:choose>
+    <dgm:shape xmlns:r="http://schemas.openxmlformats.org/officeDocument/2006/relationships" r:blip="">
+      <dgm:adjLst/>
+    </dgm:shape>
+    <dgm:presOf/>
+    <dgm:constrLst>
+      <dgm:constr type="w" for="ch" forName="node" refType="w"/>
+      <dgm:constr type="h" for="ch" forName="node" refType="w" refFor="ch" refForName="node" fact="0.6"/>
+      <dgm:constr type="w" for="ch" forName="sibTrans" refType="w" refFor="ch" refForName="node" fact="0.1"/>
+      <dgm:constr type="sp" refType="w" refFor="ch" refForName="sibTrans"/>
+      <dgm:constr type="primFontSz" for="ch" forName="node" op="equ" val="65"/>
+    </dgm:constrLst>
+    <dgm:ruleLst/>
+    <dgm:forEach name="Name3" axis="ch" ptType="node">
+      <dgm:layoutNode name="node">
+        <dgm:varLst>
+          <dgm:bulletEnabled val="1"/>
+        </dgm:varLst>
+        <dgm:alg type="tx"/>
+        <dgm:shape xmlns:r="http://schemas.openxmlformats.org/officeDocument/2006/relationships" type="rect" r:blip="">
+          <dgm:adjLst/>
+        </dgm:shape>
+        <dgm:presOf axis="desOrSelf" ptType="node"/>
+        <dgm:constrLst>
+          <dgm:constr type="lMarg" refType="primFontSz" fact="0.3"/>
+          <dgm:constr type="rMarg" refType="primFontSz" fact="0.3"/>
+          <dgm:constr type="tMarg" refType="primFontSz" fact="0.3"/>
+          <dgm:constr type="bMarg" refType="primFontSz" fact="0.3"/>
+        </dgm:constrLst>
+        <dgm:ruleLst>
+          <dgm:rule type="primFontSz" val="5" fact="NaN" max="NaN"/>
+        </dgm:ruleLst>
+      </dgm:layoutNode>
+      <dgm:forEach name="Name4" axis="followSib" ptType="sibTrans" cnt="1">
+        <dgm:layoutNode name="sibTrans">
+          <dgm:alg type="sp"/>
+          <dgm:shape xmlns:r="http://schemas.openxmlformats.org/officeDocument/2006/relationships" r:blip="">
+            <dgm:adjLst/>
+          </dgm:shape>
+          <dgm:presOf/>
+          <dgm:constrLst/>
+          <dgm:ruleLst/>
+        </dgm:layoutNode>
+      </dgm:forEach>
+    </dgm:forEach>
+  </dgm:layoutNode>
+</dgm:layoutDef>
+</file>
+
+<file path=ppt/diagrams/quickStyle1.xml><?xml version="1.0" encoding="utf-8"?>
+<dgm:styleDef xmlns:dgm="http://schemas.openxmlformats.org/drawingml/2006/diagram" xmlns:a="http://schemas.openxmlformats.org/drawingml/2006/main" uniqueId="urn:microsoft.com/office/officeart/2005/8/quickstyle/simple4">
+  <dgm:title val=""/>
+  <dgm:desc val=""/>
+  <dgm:catLst>
+    <dgm:cat type="simple" pri="10400"/>
+  </dgm:catLst>
+  <dgm:scene3d>
+    <a:camera prst="orthographicFront"/>
+    <a:lightRig rig="threePt" dir="t"/>
+  </dgm:scene3d>
+  <dgm:styleLbl name="node0">
+    <dgm:scene3d>
+      <a:camera prst="orthographicFront"/>
+      <a:lightRig rig="threePt" dir="t"/>
+    </dgm:scene3d>
+    <dgm:sp3d/>
+    <dgm:txPr/>
+    <dgm:style>
+      <a:lnRef idx="0">
+        <a:scrgbClr r="0" g="0" b="0"/>
+      </a:lnRef>
+      <a:fillRef idx="3">
+        <a:scrgbClr r="0" g="0" b="0"/>
+      </a:fillRef>
+      <a:effectRef idx="2">
+        <a:scrgbClr r="0" g="0" b="0"/>
+      </a:effectRef>
+      <a:fontRef idx="minor">
+        <a:schemeClr val="lt1"/>
+      </a:fontRef>
+    </dgm:style>
+  </dgm:styleLbl>
+  <dgm:styleLbl name="lnNode1">
+    <dgm:scene3d>
+      <a:camera prst="orthographicFront"/>
+      <a:lightRig rig="threePt" dir="t"/>
+    </dgm:scene3d>
+    <dgm:sp3d/>
+    <dgm:txPr/>
+    <dgm:style>
+      <a:lnRef idx="1">
+        <a:scrgbClr r="0" g="0" b="0"/>
+      </a:lnRef>
+      <a:fillRef idx="3">
+        <a:scrgbClr r="0" g="0" b="0"/>
+      </a:fillRef>
+      <a:effectRef idx="2">
+        <a:scrgbClr r="0" g="0" b="0"/>
+      </a:effectRef>
+      <a:fontRef idx="minor">
+        <a:schemeClr val="lt1"/>
+      </a:fontRef>
+    </dgm:style>
+  </dgm:styleLbl>
+  <dgm:styleLbl name="vennNode1">
+    <dgm:scene3d>
+      <a:camera prst="orthographicFront"/>
+      <a:lightRig rig="threePt" dir="t"/>
+    </dgm:scene3d>
+    <dgm:sp3d/>
+    <dgm:txPr/>
+    <dgm:style>
+      <a:lnRef idx="0">
+        <a:scrgbClr r="0" g="0" b="0"/>
+      </a:lnRef>
+      <a:fillRef idx="3">
+        <a:scrgbClr r="0" g="0" b="0"/>
+      </a:fillRef>
+      <a:effectRef idx="0">
+        <a:scrgbClr r="0" g="0" b="0"/>
+      </a:effectRef>
+      <a:fontRef idx="minor">
+        <a:schemeClr val="tx1"/>
+      </a:fontRef>
+    </dgm:style>
+  </dgm:styleLbl>
+  <dgm:styleLbl name="alignNode1">
+    <dgm:scene3d>
+      <a:camera prst="orthographicFront"/>
+      <a:lightRig rig="threePt" dir="t"/>
+    </dgm:scene3d>
+    <dgm:sp3d/>
+    <dgm:txPr/>
+    <dgm:style>
+      <a:lnRef idx="1">
+        <a:scrgbClr r="0" g="0" b="0"/>
+      </a:lnRef>
+      <a:fillRef idx="3">
+        <a:scrgbClr r="0" g="0" b="0"/>
+      </a:fillRef>
+      <a:effectRef idx="2">
+        <a:scrgbClr r="0" g="0" b="0"/>
+      </a:effectRef>
+      <a:fontRef idx="minor">
+        <a:schemeClr val="lt1"/>
+      </a:fontRef>
+    </dgm:style>
+  </dgm:styleLbl>
+  <dgm:styleLbl name="node1">
+    <dgm:scene3d>
+      <a:camera prst="orthographicFront"/>
+      <a:lightRig rig="threePt" dir="t"/>
+    </dgm:scene3d>
+    <dgm:sp3d/>
+    <dgm:txPr/>
+    <dgm:style>
+      <a:lnRef idx="0">
+        <a:scrgbClr r="0" g="0" b="0"/>
+      </a:lnRef>
+      <a:fillRef idx="3">
+        <a:scrgbClr r="0" g="0" b="0"/>
+      </a:fillRef>
+      <a:effectRef idx="2">
+        <a:scrgbClr r="0" g="0" b="0"/>
+      </a:effectRef>
+      <a:fontRef idx="minor">
+        <a:schemeClr val="lt1"/>
+      </a:fontRef>
+    </dgm:style>
+  </dgm:styleLbl>
+  <dgm:styleLbl name="node2">
+    <dgm:scene3d>
+      <a:camera prst="orthographicFront"/>
+      <a:lightRig rig="threePt" dir="t"/>
+    </dgm:scene3d>
+    <dgm:sp3d/>
+    <dgm:txPr/>
+    <dgm:style>
+      <a:lnRef idx="0">
+        <a:scrgbClr r="0" g="0" b="0"/>
+      </a:lnRef>
+      <a:fillRef idx="3">
+        <a:scrgbClr r="0" g="0" b="0"/>
+      </a:fillRef>
+      <a:effectRef idx="2">
+        <a:scrgbClr r="0" g="0" b="0"/>
+      </a:effectRef>
+      <a:fontRef idx="minor">
+        <a:schemeClr val="lt1"/>
+      </a:fontRef>
+    </dgm:style>
+  </dgm:styleLbl>
+  <dgm:styleLbl name="node3">
+    <dgm:scene3d>
+      <a:camera prst="orthographicFront"/>
+      <a:lightRig rig="threePt" dir="t"/>
+    </dgm:scene3d>
+    <dgm:sp3d/>
+    <dgm:txPr/>
+    <dgm:style>
+      <a:lnRef idx="0">
+        <a:scrgbClr r="0" g="0" b="0"/>
+      </a:lnRef>
+      <a:fillRef idx="3">
+        <a:scrgbClr r="0" g="0" b="0"/>
+      </a:fillRef>
+      <a:effectRef idx="2">
+        <a:scrgbClr r="0" g="0" b="0"/>
+      </a:effectRef>
+      <a:fontRef idx="minor">
+        <a:schemeClr val="lt1"/>
+      </a:fontRef>
+    </dgm:style>
+  </dgm:styleLbl>
+  <dgm:styleLbl name="node4">
+    <dgm:scene3d>
+      <a:camera prst="orthographicFront"/>
+      <a:lightRig rig="threePt" dir="t"/>
+    </dgm:scene3d>
+    <dgm:sp3d/>
+    <dgm:txPr/>
+    <dgm:style>
+      <a:lnRef idx="0">
+        <a:scrgbClr r="0" g="0" b="0"/>
+      </a:lnRef>
+      <a:fillRef idx="3">
+        <a:scrgbClr r="0" g="0" b="0"/>
+      </a:fillRef>
+      <a:effectRef idx="2">
+        <a:scrgbClr r="0" g="0" b="0"/>
+      </a:effectRef>
+      <a:fontRef idx="minor">
+        <a:schemeClr val="lt1"/>
+      </a:fontRef>
+    </dgm:style>
+  </dgm:styleLbl>
+  <dgm:styleLbl name="fgImgPlace1">
+    <dgm:scene3d>
+      <a:camera prst="orthographicFront"/>
+      <a:lightRig rig="threePt" dir="t"/>
+    </dgm:scene3d>
+    <dgm:sp3d/>
+    <dgm:txPr/>
+    <dgm:style>
+      <a:lnRef idx="0">
+        <a:scrgbClr r="0" g="0" b="0"/>
+      </a:lnRef>
+      <a:fillRef idx="1">
+        <a:scrgbClr r="0" g="0" b="0"/>
+      </a:fillRef>
+      <a:effectRef idx="2">
+        <a:scrgbClr r="0" g="0" b="0"/>
+      </a:effectRef>
+      <a:fontRef idx="minor"/>
+    </dgm:style>
+  </dgm:styleLbl>
+  <dgm:styleLbl name="alignImgPlace1">
+    <dgm:scene3d>
+      <a:camera prst="orthographicFront"/>
+      <a:lightRig rig="threePt" dir="t"/>
+    </dgm:scene3d>
+    <dgm:sp3d/>
+    <dgm:txPr/>
+    <dgm:style>
+      <a:lnRef idx="0">
+        <a:scrgbClr r="0" g="0" b="0"/>
+      </a:lnRef>
+      <a:fillRef idx="1">
+        <a:scrgbClr r="0" g="0" b="0"/>
+      </a:fillRef>
+      <a:effectRef idx="2">
+        <a:scrgbClr r="0" g="0" b="0"/>
+      </a:effectRef>
+      <a:fontRef idx="minor"/>
+    </dgm:style>
+  </dgm:styleLbl>
+  <dgm:styleLbl name="bgImgPlace1">
+    <dgm:scene3d>
+      <a:camera prst="orthographicFront"/>
+      <a:lightRig rig="threePt" dir="t"/>
+    </dgm:scene3d>
+    <dgm:sp3d/>
+    <dgm:txPr/>
+    <dgm:style>
+      <a:lnRef idx="0">
+        <a:scrgbClr r="0" g="0" b="0"/>
+      </a:lnRef>
+      <a:fillRef idx="1">
+        <a:scrgbClr r="0" g="0" b="0"/>
+      </a:fillRef>
+      <a:effectRef idx="2">
+        <a:scrgbClr r="0" g="0" b="0"/>
+      </a:effectRef>
+      <a:fontRef idx="minor"/>
+    </dgm:style>
+  </dgm:styleLbl>
+  <dgm:styleLbl name="sibTrans2D1">
+    <dgm:scene3d>
+      <a:camera prst="orthographicFront"/>
+      <a:lightRig rig="threePt" dir="t"/>
+    </dgm:scene3d>
+    <dgm:sp3d/>
+    <dgm:txPr/>
+    <dgm:style>
+      <a:lnRef idx="0">
+        <a:scrgbClr r="0" g="0" b="0"/>
+      </a:lnRef>
+      <a:fillRef idx="3">
+        <a:scrgbClr r="0" g="0" b="0"/>
+      </a:fillRef>
+      <a:effectRef idx="2">
+        <a:scrgbClr r="0" g="0" b="0"/>
+      </a:effectRef>
+      <a:fontRef idx="minor">
+        <a:schemeClr val="lt1"/>
+      </a:fontRef>
+    </dgm:style>
+  </dgm:styleLbl>
+  <dgm:styleLbl name="fgSibTrans2D1">
+    <dgm:scene3d>
+      <a:camera prst="orthographicFront"/>
+      <a:lightRig rig="threePt" dir="t"/>
+    </dgm:scene3d>
+    <dgm:sp3d/>
+    <dgm:txPr/>
+    <dgm:style>
+      <a:lnRef idx="0">
+        <a:scrgbClr r="0" g="0" b="0"/>
+      </a:lnRef>
+      <a:fillRef idx="3">
+        <a:scrgbClr r="0" g="0" b="0"/>
+      </a:fillRef>
+      <a:effectRef idx="2">
+        <a:scrgbClr r="0" g="0" b="0"/>
+      </a:effectRef>
+      <a:fontRef idx="minor">
+        <a:schemeClr val="lt1"/>
+      </a:fontRef>
+    </dgm:style>
+  </dgm:styleLbl>
+  <dgm:styleLbl name="bgSibTrans2D1">
+    <dgm:scene3d>
+      <a:camera prst="orthographicFront"/>
+      <a:lightRig rig="threePt" dir="t"/>
+    </dgm:scene3d>
+    <dgm:sp3d/>
+    <dgm:txPr/>
+    <dgm:style>
+      <a:lnRef idx="0">
+        <a:scrgbClr r="0" g="0" b="0"/>
+      </a:lnRef>
+      <a:fillRef idx="3">
+        <a:scrgbClr r="0" g="0" b="0"/>
+      </a:fillRef>
+      <a:effectRef idx="2">
+        <a:scrgbClr r="0" g="0" b="0"/>
+      </a:effectRef>
+      <a:fontRef idx="minor">
+        <a:schemeClr val="lt1"/>
+      </a:fontRef>
+    </dgm:style>
+  </dgm:styleLbl>
+  <dgm:styleLbl name="sibTrans1D1">
+    <dgm:scene3d>
+      <a:camera prst="orthographicFront"/>
+      <a:lightRig rig="threePt" dir="t"/>
+    </dgm:scene3d>
+    <dgm:sp3d/>
+    <dgm:txPr/>
+    <dgm:style>
+      <a:lnRef idx="1">
+        <a:scrgbClr r="0" g="0" b="0"/>
+      </a:lnRef>
+      <a:fillRef idx="0">
+        <a:scrgbClr r="0" g="0" b="0"/>
+      </a:fillRef>
+      <a:effectRef idx="0">
+        <a:scrgbClr r="0" g="0" b="0"/>
+      </a:effectRef>
+      <a:fontRef idx="minor"/>
+    </dgm:style>
+  </dgm:styleLbl>
+  <dgm:styleLbl name="callout">
+    <dgm:scene3d>
+      <a:camera prst="orthographicFront"/>
+      <a:lightRig rig="threePt" dir="t"/>
+    </dgm:scene3d>
+    <dgm:sp3d/>
+    <dgm:txPr/>
+    <dgm:style>
+      <a:lnRef idx="2">
+        <a:scrgbClr r="0" g="0" b="0"/>
+      </a:lnRef>
+      <a:fillRef idx="1">
+        <a:scrgbClr r="0" g="0" b="0"/>
+      </a:fillRef>
+      <a:effectRef idx="1">
+        <a:scrgbClr r="0" g="0" b="0"/>
+      </a:effectRef>
+      <a:fontRef idx="minor"/>
+    </dgm:style>
+  </dgm:styleLbl>
+  <dgm:styleLbl name="asst0">
+    <dgm:scene3d>
+      <a:camera prst="orthographicFront"/>
+      <a:lightRig rig="threePt" dir="t"/>
+    </dgm:scene3d>
+    <dgm:sp3d/>
+    <dgm:txPr/>
+    <dgm:style>
+      <a:lnRef idx="0">
+        <a:scrgbClr r="0" g="0" b="0"/>
+      </a:lnRef>
+      <a:fillRef idx="3">
+        <a:scrgbClr r="0" g="0" b="0"/>
+      </a:fillRef>
+      <a:effectRef idx="2">
+        <a:scrgbClr r="0" g="0" b="0"/>
+      </a:effectRef>
+      <a:fontRef idx="minor">
+        <a:schemeClr val="lt1"/>
+      </a:fontRef>
+    </dgm:style>
+  </dgm:styleLbl>
+  <dgm:styleLbl name="asst1">
+    <dgm:scene3d>
+      <a:camera prst="orthographicFront"/>
+      <a:lightRig rig="threePt" dir="t"/>
+    </dgm:scene3d>
+    <dgm:sp3d/>
+    <dgm:txPr/>
+    <dgm:style>
+      <a:lnRef idx="0">
+        <a:scrgbClr r="0" g="0" b="0"/>
+      </a:lnRef>
+      <a:fillRef idx="3">
+        <a:scrgbClr r="0" g="0" b="0"/>
+      </a:fillRef>
+      <a:effectRef idx="2">
+        <a:scrgbClr r="0" g="0" b="0"/>
+      </a:effectRef>
+      <a:fontRef idx="minor">
+        <a:schemeClr val="lt1"/>
+      </a:fontRef>
+    </dgm:style>
+  </dgm:styleLbl>
+  <dgm:styleLbl name="asst2">
+    <dgm:scene3d>
+      <a:camera prst="orthographicFront"/>
+      <a:lightRig rig="threePt" dir="t"/>
+    </dgm:scene3d>
+    <dgm:sp3d/>
+    <dgm:txPr/>
+    <dgm:style>
+      <a:lnRef idx="0">
+        <a:scrgbClr r="0" g="0" b="0"/>
+      </a:lnRef>
+      <a:fillRef idx="3">
+        <a:scrgbClr r="0" g="0" b="0"/>
+      </a:fillRef>
+      <a:effectRef idx="2">
+        <a:scrgbClr r="0" g="0" b="0"/>
+      </a:effectRef>
+      <a:fontRef idx="minor">
+        <a:schemeClr val="lt1"/>
+      </a:fontRef>
+    </dgm:style>
+  </dgm:styleLbl>
+  <dgm:styleLbl name="asst3">
+    <dgm:scene3d>
+      <a:camera prst="orthographicFront"/>
+      <a:lightRig rig="threePt" dir="t"/>
+    </dgm:scene3d>
+    <dgm:sp3d/>
+    <dgm:txPr/>
+    <dgm:style>
+      <a:lnRef idx="0">
+        <a:scrgbClr r="0" g="0" b="0"/>
+      </a:lnRef>
+      <a:fillRef idx="3">
+        <a:scrgbClr r="0" g="0" b="0"/>
+      </a:fillRef>
+      <a:effectRef idx="2">
+        <a:scrgbClr r="0" g="0" b="0"/>
+      </a:effectRef>
+      <a:fontRef idx="minor">
+        <a:schemeClr val="lt1"/>
+      </a:fontRef>
+    </dgm:style>
+  </dgm:styleLbl>
+  <dgm:styleLbl name="asst4">
+    <dgm:scene3d>
+      <a:camera prst="orthographicFront"/>
+      <a:lightRig rig="threePt" dir="t"/>
+    </dgm:scene3d>
+    <dgm:sp3d/>
+    <dgm:txPr/>
+    <dgm:style>
+      <a:lnRef idx="0">
+        <a:scrgbClr r="0" g="0" b="0"/>
+      </a:lnRef>
+      <a:fillRef idx="3">
+        <a:scrgbClr r="0" g="0" b="0"/>
+      </a:fillRef>
+      <a:effectRef idx="2">
+        <a:scrgbClr r="0" g="0" b="0"/>
+      </a:effectRef>
+      <a:fontRef idx="minor">
+        <a:schemeClr val="lt1"/>
+      </a:fontRef>
+    </dgm:style>
+  </dgm:styleLbl>
+  <dgm:styleLbl name="parChTrans2D1">
+    <dgm:scene3d>
+      <a:camera prst="orthographicFront"/>
+      <a:lightRig rig="threePt" dir="t"/>
+    </dgm:scene3d>
+    <dgm:sp3d/>
+    <dgm:txPr/>
+    <dgm:style>
+      <a:lnRef idx="0">
+        <a:scrgbClr r="0" g="0" b="0"/>
+      </a:lnRef>
+      <a:fillRef idx="3">
+        <a:scrgbClr r="0" g="0" b="0"/>
+      </a:fillRef>
+      <a:effectRef idx="2">
+        <a:scrgbClr r="0" g="0" b="0"/>
+      </a:effectRef>
+      <a:fontRef idx="minor">
+        <a:schemeClr val="lt1"/>
+      </a:fontRef>
+    </dgm:style>
+  </dgm:styleLbl>
+  <dgm:styleLbl name="parChTrans2D2">
+    <dgm:scene3d>
+      <a:camera prst="orthographicFront"/>
+      <a:lightRig rig="threePt" dir="t"/>
+    </dgm:scene3d>
+    <dgm:sp3d/>
+    <dgm:txPr/>
+    <dgm:style>
+      <a:lnRef idx="0">
+        <a:scrgbClr r="0" g="0" b="0"/>
+      </a:lnRef>
+      <a:fillRef idx="3">
+        <a:scrgbClr r="0" g="0" b="0"/>
+      </a:fillRef>
+      <a:effectRef idx="2">
+        <a:scrgbClr r="0" g="0" b="0"/>
+      </a:effectRef>
+      <a:fontRef idx="minor">
+        <a:schemeClr val="lt1"/>
+      </a:fontRef>
+    </dgm:style>
+  </dgm:styleLbl>
+  <dgm:styleLbl name="parChTrans2D3">
+    <dgm:scene3d>
+      <a:camera prst="orthographicFront"/>
+      <a:lightRig rig="threePt" dir="t"/>
+    </dgm:scene3d>
+    <dgm:sp3d/>
+    <dgm:txPr/>
+    <dgm:style>
+      <a:lnRef idx="1">
+        <a:scrgbClr r="0" g="0" b="0"/>
+      </a:lnRef>
+      <a:fillRef idx="3">
+        <a:scrgbClr r="0" g="0" b="0"/>
+      </a:fillRef>
+      <a:effectRef idx="2">
+        <a:scrgbClr r="0" g="0" b="0"/>
+      </a:effectRef>
+      <a:fontRef idx="minor">
+        <a:schemeClr val="lt1"/>
+      </a:fontRef>
+    </dgm:style>
+  </dgm:styleLbl>
+  <dgm:styleLbl name="parChTrans2D4">
+    <dgm:scene3d>
+      <a:camera prst="orthographicFront"/>
+      <a:lightRig rig="threePt" dir="t"/>
+    </dgm:scene3d>
+    <dgm:sp3d/>
+    <dgm:txPr/>
+    <dgm:style>
+      <a:lnRef idx="1">
+        <a:scrgbClr r="0" g="0" b="0"/>
+      </a:lnRef>
+      <a:fillRef idx="3">
+        <a:scrgbClr r="0" g="0" b="0"/>
+      </a:fillRef>
+      <a:effectRef idx="2">
+        <a:scrgbClr r="0" g="0" b="0"/>
+      </a:effectRef>
+      <a:fontRef idx="minor">
+        <a:schemeClr val="lt1"/>
+      </a:fontRef>
+    </dgm:style>
+  </dgm:styleLbl>
+  <dgm:styleLbl name="parChTrans1D1">
+    <dgm:scene3d>
+      <a:camera prst="orthographicFront"/>
+      <a:lightRig rig="threePt" dir="t"/>
+    </dgm:scene3d>
+    <dgm:sp3d/>
+    <dgm:txPr/>
+    <dgm:style>
+      <a:lnRef idx="1">
+        <a:scrgbClr r="0" g="0" b="0"/>
+      </a:lnRef>
+      <a:fillRef idx="0">
+        <a:scrgbClr r="0" g="0" b="0"/>
+      </a:fillRef>
+      <a:effectRef idx="0">
+        <a:scrgbClr r="0" g="0" b="0"/>
+      </a:effectRef>
+      <a:fontRef idx="minor"/>
+    </dgm:style>
+  </dgm:styleLbl>
+  <dgm:styleLbl name="parChTrans1D2">
+    <dgm:scene3d>
+      <a:camera prst="orthographicFront"/>
+      <a:lightRig rig="threePt" dir="t"/>
+    </dgm:scene3d>
+    <dgm:sp3d/>
+    <dgm:txPr/>
+    <dgm:style>
+      <a:lnRef idx="1">
+        <a:scrgbClr r="0" g="0" b="0"/>
+      </a:lnRef>
+      <a:fillRef idx="0">
+        <a:scrgbClr r="0" g="0" b="0"/>
+      </a:fillRef>
+      <a:effectRef idx="0">
+        <a:scrgbClr r="0" g="0" b="0"/>
+      </a:effectRef>
+      <a:fontRef idx="minor"/>
+    </dgm:style>
+  </dgm:styleLbl>
+  <dgm:styleLbl name="parChTrans1D3">
+    <dgm:scene3d>
+      <a:camera prst="orthographicFront"/>
+      <a:lightRig rig="threePt" dir="t"/>
+    </dgm:scene3d>
+    <dgm:sp3d/>
+    <dgm:txPr/>
+    <dgm:style>
+      <a:lnRef idx="1">
+        <a:scrgbClr r="0" g="0" b="0"/>
+      </a:lnRef>
+      <a:fillRef idx="0">
+        <a:scrgbClr r="0" g="0" b="0"/>
+      </a:fillRef>
+      <a:effectRef idx="0">
+        <a:scrgbClr r="0" g="0" b="0"/>
+      </a:effectRef>
+      <a:fontRef idx="minor"/>
+    </dgm:style>
+  </dgm:styleLbl>
+  <dgm:styleLbl name="parChTrans1D4">
+    <dgm:scene3d>
+      <a:camera prst="orthographicFront"/>
+      <a:lightRig rig="threePt" dir="t"/>
+    </dgm:scene3d>
+    <dgm:sp3d/>
+    <dgm:txPr/>
+    <dgm:style>
+      <a:lnRef idx="1">
+        <a:scrgbClr r="0" g="0" b="0"/>
+      </a:lnRef>
+      <a:fillRef idx="0">
+        <a:scrgbClr r="0" g="0" b="0"/>
+      </a:fillRef>
+      <a:effectRef idx="0">
+        <a:scrgbClr r="0" g="0" b="0"/>
+      </a:effectRef>
+      <a:fontRef idx="minor"/>
+    </dgm:style>
+  </dgm:styleLbl>
+  <dgm:styleLbl name="fgAcc1">
+    <dgm:scene3d>
+      <a:camera prst="orthographicFront"/>
+      <a:lightRig rig="threePt" dir="t"/>
+    </dgm:scene3d>
+    <dgm:sp3d/>
+    <dgm:txPr/>
+    <dgm:style>
+      <a:lnRef idx="1">
+        <a:scrgbClr r="0" g="0" b="0"/>
+      </a:lnRef>
+      <a:fillRef idx="1">
+        <a:scrgbClr r="0" g="0" b="0"/>
+      </a:fillRef>
+      <a:effectRef idx="0">
+        <a:scrgbClr r="0" g="0" b="0"/>
+      </a:effectRef>
+      <a:fontRef idx="minor"/>
+    </dgm:style>
+  </dgm:styleLbl>
+  <dgm:styleLbl name="conFgAcc1">
+    <dgm:scene3d>
+      <a:camera prst="orthographicFront"/>
+      <a:lightRig rig="threePt" dir="t"/>
+    </dgm:scene3d>
+    <dgm:sp3d/>
+    <dgm:txPr/>
+    <dgm:style>
+      <a:lnRef idx="1">
+        <a:scrgbClr r="0" g="0" b="0"/>
+      </a:lnRef>
+      <a:fillRef idx="1">
+        <a:scrgbClr r="0" g="0" b="0"/>
+      </a:fillRef>
+      <a:effectRef idx="0">
+        <a:scrgbClr r="0" g="0" b="0"/>
+      </a:effectRef>
+      <a:fontRef idx="minor"/>
+    </dgm:style>
+  </dgm:styleLbl>
+  <dgm:styleLbl name="alignAcc1">
+    <dgm:scene3d>
+      <a:camera prst="orthographicFront"/>
+      <a:lightRig rig="threePt" dir="t"/>
+    </dgm:scene3d>
+    <dgm:sp3d/>
+    <dgm:txPr/>
+    <dgm:style>
+      <a:lnRef idx="1">
+        <a:scrgbClr r="0" g="0" b="0"/>
+      </a:lnRef>
+      <a:fillRef idx="1">
+        <a:scrgbClr r="0" g="0" b="0"/>
+      </a:fillRef>
+      <a:effectRef idx="0">
+        <a:scrgbClr r="0" g="0" b="0"/>
+      </a:effectRef>
+      <a:fontRef idx="minor"/>
+    </dgm:style>
+  </dgm:styleLbl>
+  <dgm:styleLbl name="trAlignAcc1">
+    <dgm:scene3d>
+      <a:camera prst="orthographicFront"/>
+      <a:lightRig rig="threePt" dir="t"/>
+    </dgm:scene3d>
+    <dgm:sp3d/>
+    <dgm:txPr/>
+    <dgm:style>
+      <a:lnRef idx="1">
+        <a:scrgbClr r="0" g="0" b="0"/>
+      </a:lnRef>
+      <a:fillRef idx="1">
+        <a:scrgbClr r="0" g="0" b="0"/>
+      </a:fillRef>
+      <a:effectRef idx="0">
+        <a:scrgbClr r="0" g="0" b="0"/>
+      </a:effectRef>
+      <a:fontRef idx="minor"/>
+    </dgm:style>
+  </dgm:styleLbl>
+  <dgm:styleLbl name="bgAcc1">
+    <dgm:scene3d>
+      <a:camera prst="orthographicFront"/>
+      <a:lightRig rig="threePt" dir="t"/>
+    </dgm:scene3d>
+    <dgm:sp3d/>
+    <dgm:txPr/>
+    <dgm:style>
+      <a:lnRef idx="1">
+        <a:scrgbClr r="0" g="0" b="0"/>
+      </a:lnRef>
+      <a:fillRef idx="1">
+        <a:scrgbClr r="0" g="0" b="0"/>
+      </a:fillRef>
+      <a:effectRef idx="0">
+        <a:scrgbClr r="0" g="0" b="0"/>
+      </a:effectRef>
+      <a:fontRef idx="minor"/>
+    </dgm:style>
+  </dgm:styleLbl>
+  <dgm:styleLbl name="solidFgAcc1">
+    <dgm:scene3d>
+      <a:camera prst="orthographicFront"/>
+      <a:lightRig rig="threePt" dir="t"/>
+    </dgm:scene3d>
+    <dgm:sp3d/>
+    <dgm:txPr/>
+    <dgm:style>
+      <a:lnRef idx="1">
+        <a:scrgbClr r="0" g="0" b="0"/>
+      </a:lnRef>
+      <a:fillRef idx="1">
+        <a:scrgbClr r="0" g="0" b="0"/>
+      </a:fillRef>
+      <a:effectRef idx="0">
+        <a:scrgbClr r="0" g="0" b="0"/>
+      </a:effectRef>
+      <a:fontRef idx="minor"/>
+    </dgm:style>
+  </dgm:styleLbl>
+  <dgm:styleLbl name="solidAlignAcc1">
+    <dgm:scene3d>
+      <a:camera prst="orthographicFront"/>
+      <a:lightRig rig="threePt" dir="t"/>
+    </dgm:scene3d>
+    <dgm:sp3d/>
+    <dgm:txPr/>
+    <dgm:style>
+      <a:lnRef idx="1">
+        <a:scrgbClr r="0" g="0" b="0"/>
+      </a:lnRef>
+      <a:fillRef idx="1">
+        <a:scrgbClr r="0" g="0" b="0"/>
+      </a:fillRef>
+      <a:effectRef idx="0">
+        <a:scrgbClr r="0" g="0" b="0"/>
+      </a:effectRef>
+      <a:fontRef idx="minor"/>
+    </dgm:style>
+  </dgm:styleLbl>
+  <dgm:styleLbl name="solidBgAcc1">
+    <dgm:scene3d>
+      <a:camera prst="orthographicFront"/>
+      <a:lightRig rig="threePt" dir="t"/>
+    </dgm:scene3d>
+    <dgm:sp3d/>
+    <dgm:txPr/>
+    <dgm:style>
+      <a:lnRef idx="1">
+        <a:scrgbClr r="0" g="0" b="0"/>
+      </a:lnRef>
+      <a:fillRef idx="1">
+        <a:scrgbClr r="0" g="0" b="0"/>
+      </a:fillRef>
+      <a:effectRef idx="0">
+        <a:scrgbClr r="0" g="0" b="0"/>
+      </a:effectRef>
+      <a:fontRef idx="minor"/>
+    </dgm:style>
+  </dgm:styleLbl>
+  <dgm:styleLbl name="fgAccFollowNode1">
+    <dgm:scene3d>
+      <a:camera prst="orthographicFront"/>
+      <a:lightRig rig="threePt" dir="t"/>
+    </dgm:scene3d>
+    <dgm:sp3d/>
+    <dgm:txPr/>
+    <dgm:style>
+      <a:lnRef idx="1">
+        <a:scrgbClr r="0" g="0" b="0"/>
+      </a:lnRef>
+      <a:fillRef idx="1">
+        <a:scrgbClr r="0" g="0" b="0"/>
+      </a:fillRef>
+      <a:effectRef idx="0">
+        <a:scrgbClr r="0" g="0" b="0"/>
+      </a:effectRef>
+      <a:fontRef idx="minor"/>
+    </dgm:style>
+  </dgm:styleLbl>
+  <dgm:styleLbl name="alignAccFollowNode1">
+    <dgm:scene3d>
+      <a:camera prst="orthographicFront"/>
+      <a:lightRig rig="threePt" dir="t"/>
+    </dgm:scene3d>
+    <dgm:sp3d/>
+    <dgm:txPr/>
+    <dgm:style>
+      <a:lnRef idx="1">
+        <a:scrgbClr r="0" g="0" b="0"/>
+      </a:lnRef>
+      <a:fillRef idx="1">
+        <a:scrgbClr r="0" g="0" b="0"/>
+      </a:fillRef>
+      <a:effectRef idx="0">
+        <a:scrgbClr r="0" g="0" b="0"/>
+      </a:effectRef>
+      <a:fontRef idx="minor"/>
+    </dgm:style>
+  </dgm:styleLbl>
+  <dgm:styleLbl name="bgAccFollowNode1">
+    <dgm:scene3d>
+      <a:camera prst="orthographicFront"/>
+      <a:lightRig rig="threePt" dir="t"/>
+    </dgm:scene3d>
+    <dgm:sp3d/>
+    <dgm:txPr/>
+    <dgm:style>
+      <a:lnRef idx="1">
+        <a:scrgbClr r="0" g="0" b="0"/>
+      </a:lnRef>
+      <a:fillRef idx="1">
+        <a:scrgbClr r="0" g="0" b="0"/>
+      </a:fillRef>
+      <a:effectRef idx="0">
+        <a:scrgbClr r="0" g="0" b="0"/>
+      </a:effectRef>
+      <a:fontRef idx="minor"/>
+    </dgm:style>
+  </dgm:styleLbl>
+  <dgm:styleLbl name="fgAcc0">
+    <dgm:scene3d>
+      <a:camera prst="orthographicFront"/>
+      <a:lightRig rig="threePt" dir="t"/>
+    </dgm:scene3d>
+    <dgm:sp3d/>
+    <dgm:txPr/>
+    <dgm:style>
+      <a:lnRef idx="1">
+        <a:scrgbClr r="0" g="0" b="0"/>
+      </a:lnRef>
+      <a:fillRef idx="1">
+        <a:scrgbClr r="0" g="0" b="0"/>
+      </a:fillRef>
+      <a:effectRef idx="0">
+        <a:scrgbClr r="0" g="0" b="0"/>
+      </a:effectRef>
+      <a:fontRef idx="minor"/>
+    </dgm:style>
+  </dgm:styleLbl>
+  <dgm:styleLbl name="fgAcc2">
+    <dgm:scene3d>
+      <a:camera prst="orthographicFront"/>
+      <a:lightRig rig="threePt" dir="t"/>
+    </dgm:scene3d>
+    <dgm:sp3d/>
+    <dgm:txPr/>
+    <dgm:style>
+      <a:lnRef idx="1">
+        <a:scrgbClr r="0" g="0" b="0"/>
+      </a:lnRef>
+      <a:fillRef idx="1">
+        <a:scrgbClr r="0" g="0" b="0"/>
+      </a:fillRef>
+      <a:effectRef idx="0">
+        <a:scrgbClr r="0" g="0" b="0"/>
+      </a:effectRef>
+      <a:fontRef idx="minor"/>
+    </dgm:style>
+  </dgm:styleLbl>
+  <dgm:styleLbl name="fgAcc3">
+    <dgm:scene3d>
+      <a:camera prst="orthographicFront"/>
+      <a:lightRig rig="threePt" dir="t"/>
+    </dgm:scene3d>
+    <dgm:sp3d/>
+    <dgm:txPr/>
+    <dgm:style>
+      <a:lnRef idx="1">
+        <a:scrgbClr r="0" g="0" b="0"/>
+      </a:lnRef>
+      <a:fillRef idx="1">
+        <a:scrgbClr r="0" g="0" b="0"/>
+      </a:fillRef>
+      <a:effectRef idx="0">
+        <a:scrgbClr r="0" g="0" b="0"/>
+      </a:effectRef>
+      <a:fontRef idx="minor"/>
+    </dgm:style>
+  </dgm:styleLbl>
+  <dgm:styleLbl name="fgAcc4">
+    <dgm:scene3d>
+      <a:camera prst="orthographicFront"/>
+      <a:lightRig rig="threePt" dir="t"/>
+    </dgm:scene3d>
+    <dgm:sp3d/>
+    <dgm:txPr/>
+    <dgm:style>
+      <a:lnRef idx="1">
+        <a:scrgbClr r="0" g="0" b="0"/>
+      </a:lnRef>
+      <a:fillRef idx="1">
+        <a:scrgbClr r="0" g="0" b="0"/>
+      </a:fillRef>
+      <a:effectRef idx="0">
+        <a:scrgbClr r="0" g="0" b="0"/>
+      </a:effectRef>
+      <a:fontRef idx="minor"/>
+    </dgm:style>
+  </dgm:styleLbl>
+  <dgm:styleLbl name="bgShp">
+    <dgm:scene3d>
+      <a:camera prst="orthographicFront"/>
+      <a:lightRig rig="threePt" dir="t"/>
+    </dgm:scene3d>
+    <dgm:sp3d/>
+    <dgm:txPr/>
+    <dgm:style>
+      <a:lnRef idx="0">
+        <a:scrgbClr r="0" g="0" b="0"/>
+      </a:lnRef>
+      <a:fillRef idx="1">
+        <a:scrgbClr r="0" g="0" b="0"/>
+      </a:fillRef>
+      <a:effectRef idx="2">
+        <a:scrgbClr r="0" g="0" b="0"/>
+      </a:effectRef>
+      <a:fontRef idx="minor"/>
+    </dgm:style>
+  </dgm:styleLbl>
+  <dgm:styleLbl name="dkBgShp">
+    <dgm:scene3d>
+      <a:camera prst="orthographicFront"/>
+      <a:lightRig rig="threePt" dir="t"/>
+    </dgm:scene3d>
+    <dgm:sp3d/>
+    <dgm:txPr/>
+    <dgm:style>
+      <a:lnRef idx="0">
+        <a:scrgbClr r="0" g="0" b="0"/>
+      </a:lnRef>
+      <a:fillRef idx="1">
+        <a:scrgbClr r="0" g="0" b="0"/>
+      </a:fillRef>
+      <a:effectRef idx="2">
+        <a:scrgbClr r="0" g="0" b="0"/>
+      </a:effectRef>
+      <a:fontRef idx="minor"/>
+    </dgm:style>
+  </dgm:styleLbl>
+  <dgm:styleLbl name="trBgShp">
+    <dgm:scene3d>
+      <a:camera prst="orthographicFront"/>
+      <a:lightRig rig="threePt" dir="t"/>
+    </dgm:scene3d>
+    <dgm:sp3d/>
+    <dgm:txPr/>
+    <dgm:style>
+      <a:lnRef idx="0">
+        <a:scrgbClr r="0" g="0" b="0"/>
+      </a:lnRef>
+      <a:fillRef idx="1">
+        <a:scrgbClr r="0" g="0" b="0"/>
+      </a:fillRef>
+      <a:effectRef idx="0">
+        <a:scrgbClr r="0" g="0" b="0"/>
+      </a:effectRef>
+      <a:fontRef idx="minor"/>
+    </dgm:style>
+  </dgm:styleLbl>
+  <dgm:styleLbl name="fgShp">
+    <dgm:scene3d>
+      <a:camera prst="orthographicFront"/>
+      <a:lightRig rig="threePt" dir="t"/>
+    </dgm:scene3d>
+    <dgm:sp3d/>
+    <dgm:txPr/>
+    <dgm:style>
+      <a:lnRef idx="0">
+        <a:scrgbClr r="0" g="0" b="0"/>
+      </a:lnRef>
+      <a:fillRef idx="3">
+        <a:scrgbClr r="0" g="0" b="0"/>
+      </a:fillRef>
+      <a:effectRef idx="2">
+        <a:scrgbClr r="0" g="0" b="0"/>
+      </a:effectRef>
+      <a:fontRef idx="minor"/>
+    </dgm:style>
+  </dgm:styleLbl>
+  <dgm:styleLbl name="revTx">
+    <dgm:scene3d>
+      <a:camera prst="orthographicFront"/>
+      <a:lightRig rig="threePt" dir="t"/>
+    </dgm:scene3d>
+    <dgm:sp3d/>
+    <dgm:txPr/>
+    <dgm:style>
+      <a:lnRef idx="0">
+        <a:scrgbClr r="0" g="0" b="0"/>
+      </a:lnRef>
+      <a:fillRef idx="0">
+        <a:scrgbClr r="0" g="0" b="0"/>
+      </a:fillRef>
+      <a:effectRef idx="0">
+        <a:scrgbClr r="0" g="0" b="0"/>
+      </a:effectRef>
+      <a:fontRef idx="minor"/>
+    </dgm:style>
+  </dgm:styleLbl>
+</dgm:styleDef>
 </file>
 
 <file path=ppt/slideLayouts/slideLayout1.xml><?xml version="1.0" encoding="utf-8"?>
@@ -3376,7 +6046,15 @@
           <a:bodyPr/>
           <a:lstStyle/>
           <a:p>
-            <a:endParaRPr lang="ko-KR" altLang="en-US"/>
+            <a:r>
+              <a:rPr lang="en-US" altLang="ko-KR" dirty="0"/>
+              <a:t>2012181009 </a:t>
+            </a:r>
+            <a:r>
+              <a:rPr lang="ko-KR" altLang="en-US"/>
+              <a:t>김응수</a:t>
+            </a:r>
+            <a:endParaRPr lang="ko-KR" altLang="en-US" dirty="0"/>
           </a:p>
         </p:txBody>
       </p:sp>
@@ -3433,11 +6111,15 @@
           <a:p>
             <a:r>
               <a:rPr lang="ko-KR" altLang="en-US" dirty="0"/>
-              <a:t>이것도 하고싶고 저것도 하고싶다</a:t>
+              <a:t>이것도 저것도 </a:t>
+            </a:r>
+            <a:r>
+              <a:rPr lang="ko-KR" altLang="en-US" dirty="0" err="1"/>
+              <a:t>고르지못하겠어</a:t>
             </a:r>
             <a:r>
               <a:rPr lang="en-US" altLang="ko-KR" dirty="0"/>
-              <a:t>…</a:t>
+              <a:t>!</a:t>
             </a:r>
             <a:endParaRPr lang="ko-KR" altLang="en-US" dirty="0"/>
           </a:p>
@@ -3463,52 +6145,6 @@
         <p:txBody>
           <a:bodyPr/>
           <a:lstStyle/>
-          <a:p>
-            <a:r>
-              <a:rPr lang="ko-KR" altLang="en-US" dirty="0"/>
-              <a:t>삶이란 언제나 선택의 순간</a:t>
-            </a:r>
-            <a:r>
-              <a:rPr lang="en-US" altLang="ko-KR" dirty="0"/>
-              <a:t>!</a:t>
-            </a:r>
-          </a:p>
-          <a:p>
-            <a:r>
-              <a:rPr lang="ko-KR" altLang="en-US" dirty="0"/>
-              <a:t>선택장애로 시간만 보내다 기회를 축내기 일색인 </a:t>
-            </a:r>
-            <a:r>
-              <a:rPr lang="en-US" altLang="ko-KR" dirty="0"/>
-              <a:t>000</a:t>
-            </a:r>
-            <a:r>
-              <a:rPr lang="ko-KR" altLang="en-US" dirty="0"/>
-              <a:t>을 위해서 당신이 찾아왔다</a:t>
-            </a:r>
-            <a:r>
-              <a:rPr lang="en-US" altLang="ko-KR" dirty="0"/>
-              <a:t>!</a:t>
-            </a:r>
-          </a:p>
-          <a:p>
-            <a:r>
-              <a:rPr lang="ko-KR" altLang="en-US" dirty="0"/>
-              <a:t>진정으로 </a:t>
-            </a:r>
-            <a:r>
-              <a:rPr lang="en-US" altLang="ko-KR" dirty="0"/>
-              <a:t>000</a:t>
-            </a:r>
-            <a:r>
-              <a:rPr lang="ko-KR" altLang="en-US" dirty="0"/>
-              <a:t>이 바라는 삶을 유추하고 행복한 삶을 찾아주자</a:t>
-            </a:r>
-            <a:r>
-              <a:rPr lang="en-US" altLang="ko-KR" dirty="0"/>
-              <a:t>!</a:t>
-            </a:r>
-          </a:p>
           <a:p>
             <a:endParaRPr lang="en-US" altLang="ko-KR" dirty="0"/>
           </a:p>
@@ -3542,7 +6178,7 @@
         </p:blipFill>
         <p:spPr>
           <a:xfrm>
-            <a:off x="4934857" y="3745286"/>
+            <a:off x="722791" y="2717986"/>
             <a:ext cx="2010514" cy="2566614"/>
           </a:xfrm>
           <a:prstGeom prst="rect">
@@ -3550,6 +6186,34 @@
           </a:prstGeom>
         </p:spPr>
       </p:pic>
+      <p:graphicFrame>
+        <p:nvGraphicFramePr>
+          <p:cNvPr id="7" name="다이어그램 6">
+            <a:extLst>
+              <a:ext uri="{FF2B5EF4-FFF2-40B4-BE49-F238E27FC236}">
+                <a16:creationId xmlns:a16="http://schemas.microsoft.com/office/drawing/2014/main" id="{A5A4620B-93E3-45FE-AE41-431E82480F93}"/>
+              </a:ext>
+            </a:extLst>
+          </p:cNvPr>
+          <p:cNvGraphicFramePr/>
+          <p:nvPr>
+            <p:extLst>
+              <p:ext uri="{D42A27DB-BD31-4B8C-83A1-F6EECF244321}">
+                <p14:modId xmlns:p14="http://schemas.microsoft.com/office/powerpoint/2010/main" val="10308583"/>
+              </p:ext>
+            </p:extLst>
+          </p:nvPr>
+        </p:nvGraphicFramePr>
+        <p:xfrm>
+          <a:off x="3170228" y="2026628"/>
+          <a:ext cx="7324571" cy="3949331"/>
+        </p:xfrm>
+        <a:graphic>
+          <a:graphicData uri="http://schemas.openxmlformats.org/drawingml/2006/diagram">
+            <dgm:relIds xmlns:dgm="http://schemas.openxmlformats.org/drawingml/2006/diagram" xmlns:r="http://schemas.openxmlformats.org/officeDocument/2006/relationships" r:dm="rId3" r:lo="rId4" r:qs="rId5" r:cs="rId6"/>
+          </a:graphicData>
+        </a:graphic>
+      </p:graphicFrame>
     </p:spTree>
     <p:extLst>
       <p:ext uri="{BB962C8B-B14F-4D97-AF65-F5344CB8AC3E}">
